--- a/output/figures/featureWeights_groupwise.pptx
+++ b/output/figures/featureWeights_groupwise.pptx
@@ -2,13 +2,15 @@
 <file path=ppt/presentation.xml><?xml version="1.0" encoding="utf-8"?>
 <p:presentation xmlns:a="http://schemas.openxmlformats.org/drawingml/2006/main" xmlns:r="http://schemas.openxmlformats.org/officeDocument/2006/relationships" xmlns:p="http://schemas.openxmlformats.org/presentationml/2006/main" saveSubsetFonts="1" autoCompressPictures="0">
   <p:sldMasterIdLst>
-    <p:sldMasterId id="2147483660" r:id="rId1"/>
+    <p:sldMasterId id="2147483672" r:id="rId1"/>
   </p:sldMasterIdLst>
   <p:sldIdLst>
     <p:sldId id="256" r:id="rId2"/>
     <p:sldId id="257" r:id="rId3"/>
+    <p:sldId id="258" r:id="rId4"/>
+    <p:sldId id="259" r:id="rId5"/>
   </p:sldIdLst>
-  <p:sldSz cx="12192000" cy="12252325"/>
+  <p:sldSz cx="13198475" cy="12252325"/>
   <p:notesSz cx="6858000" cy="9144000"/>
   <p:defaultTextStyle>
     <a:defPPr>
@@ -105,6 +107,11 @@
       </a:defRPr>
     </a:lvl9pPr>
   </p:defaultTextStyle>
+  <p:extLst>
+    <p:ext uri="{EFAFB233-063F-42B5-8137-9DF3F51BA10A}">
+      <p15:sldGuideLst xmlns:p15="http://schemas.microsoft.com/office/powerpoint/2012/main"/>
+    </p:ext>
+  </p:extLst>
 </p:presentation>
 </file>
 
@@ -137,15 +144,15 @@
         </p:nvSpPr>
         <p:spPr>
           <a:xfrm>
-            <a:off x="914400" y="2005185"/>
-            <a:ext cx="10363200" cy="4265624"/>
+            <a:off x="989886" y="2005185"/>
+            <a:ext cx="11218704" cy="4265624"/>
           </a:xfrm>
         </p:spPr>
         <p:txBody>
           <a:bodyPr anchor="b"/>
           <a:lstStyle>
             <a:lvl1pPr algn="ctr">
-              <a:defRPr sz="8000"/>
+              <a:defRPr sz="8660"/>
             </a:lvl1pPr>
           </a:lstStyle>
           <a:p>
@@ -169,8 +176,8 @@
         </p:nvSpPr>
         <p:spPr>
           <a:xfrm>
-            <a:off x="1524000" y="6435308"/>
-            <a:ext cx="9144000" cy="2958141"/>
+            <a:off x="1649810" y="6435308"/>
+            <a:ext cx="9898856" cy="2958141"/>
           </a:xfrm>
         </p:spPr>
         <p:txBody>
@@ -178,39 +185,39 @@
           <a:lstStyle>
             <a:lvl1pPr marL="0" indent="0" algn="ctr">
               <a:buNone/>
-              <a:defRPr sz="3200"/>
+              <a:defRPr sz="3464"/>
             </a:lvl1pPr>
-            <a:lvl2pPr marL="609585" indent="0" algn="ctr">
-              <a:buNone/>
-              <a:defRPr sz="2667"/>
+            <a:lvl2pPr marL="659922" indent="0" algn="ctr">
+              <a:buNone/>
+              <a:defRPr sz="2887"/>
             </a:lvl2pPr>
-            <a:lvl3pPr marL="1219170" indent="0" algn="ctr">
-              <a:buNone/>
-              <a:defRPr sz="2400"/>
+            <a:lvl3pPr marL="1319845" indent="0" algn="ctr">
+              <a:buNone/>
+              <a:defRPr sz="2598"/>
             </a:lvl3pPr>
-            <a:lvl4pPr marL="1828754" indent="0" algn="ctr">
-              <a:buNone/>
-              <a:defRPr sz="2133"/>
+            <a:lvl4pPr marL="1979767" indent="0" algn="ctr">
+              <a:buNone/>
+              <a:defRPr sz="2309"/>
             </a:lvl4pPr>
-            <a:lvl5pPr marL="2438339" indent="0" algn="ctr">
-              <a:buNone/>
-              <a:defRPr sz="2133"/>
+            <a:lvl5pPr marL="2639690" indent="0" algn="ctr">
+              <a:buNone/>
+              <a:defRPr sz="2309"/>
             </a:lvl5pPr>
-            <a:lvl6pPr marL="3047924" indent="0" algn="ctr">
-              <a:buNone/>
-              <a:defRPr sz="2133"/>
+            <a:lvl6pPr marL="3299612" indent="0" algn="ctr">
+              <a:buNone/>
+              <a:defRPr sz="2309"/>
             </a:lvl6pPr>
-            <a:lvl7pPr marL="3657509" indent="0" algn="ctr">
-              <a:buNone/>
-              <a:defRPr sz="2133"/>
+            <a:lvl7pPr marL="3959535" indent="0" algn="ctr">
+              <a:buNone/>
+              <a:defRPr sz="2309"/>
             </a:lvl7pPr>
-            <a:lvl8pPr marL="4267093" indent="0" algn="ctr">
-              <a:buNone/>
-              <a:defRPr sz="2133"/>
+            <a:lvl8pPr marL="4619457" indent="0" algn="ctr">
+              <a:buNone/>
+              <a:defRPr sz="2309"/>
             </a:lvl8pPr>
-            <a:lvl9pPr marL="4876678" indent="0" algn="ctr">
-              <a:buNone/>
-              <a:defRPr sz="2133"/>
+            <a:lvl9pPr marL="5279380" indent="0" algn="ctr">
+              <a:buNone/>
+              <a:defRPr sz="2309"/>
             </a:lvl9pPr>
           </a:lstStyle>
           <a:p>
@@ -239,7 +246,7 @@
           <a:p>
             <a:fld id="{29AF409B-4D34-BF4A-AD8E-1B86655E1E1A}" type="datetimeFigureOut">
               <a:rPr lang="en-US" smtClean="0"/>
-              <a:t>12/6/21</a:t>
+              <a:t>1/25/22</a:t>
             </a:fld>
             <a:endParaRPr lang="en-US"/>
           </a:p>
@@ -290,7 +297,7 @@
     </p:spTree>
     <p:extLst>
       <p:ext uri="{BB962C8B-B14F-4D97-AF65-F5344CB8AC3E}">
-        <p14:creationId xmlns:p14="http://schemas.microsoft.com/office/powerpoint/2010/main" val="2503331792"/>
+        <p14:creationId xmlns:p14="http://schemas.microsoft.com/office/powerpoint/2010/main" val="817346218"/>
       </p:ext>
     </p:extLst>
   </p:cSld>
@@ -358,7 +365,7 @@
             <a:pPr lvl="0"/>
             <a:r>
               <a:rPr lang="en-US"/>
-              <a:t>Click to edit Master text styles</a:t>
+              <a:t>Edit Master text styles</a:t>
             </a:r>
           </a:p>
           <a:p>
@@ -409,7 +416,7 @@
           <a:p>
             <a:fld id="{29AF409B-4D34-BF4A-AD8E-1B86655E1E1A}" type="datetimeFigureOut">
               <a:rPr lang="en-US" smtClean="0"/>
-              <a:t>12/6/21</a:t>
+              <a:t>1/25/22</a:t>
             </a:fld>
             <a:endParaRPr lang="en-US"/>
           </a:p>
@@ -460,7 +467,7 @@
     </p:spTree>
     <p:extLst>
       <p:ext uri="{BB962C8B-B14F-4D97-AF65-F5344CB8AC3E}">
-        <p14:creationId xmlns:p14="http://schemas.microsoft.com/office/powerpoint/2010/main" val="2732492116"/>
+        <p14:creationId xmlns:p14="http://schemas.microsoft.com/office/powerpoint/2010/main" val="2593441338"/>
       </p:ext>
     </p:extLst>
   </p:cSld>
@@ -499,8 +506,8 @@
         </p:nvSpPr>
         <p:spPr>
           <a:xfrm>
-            <a:off x="8724901" y="652323"/>
-            <a:ext cx="2628900" cy="10383279"/>
+            <a:off x="9445159" y="652323"/>
+            <a:ext cx="2845921" cy="10383279"/>
           </a:xfrm>
         </p:spPr>
         <p:txBody>
@@ -527,8 +534,8 @@
         </p:nvSpPr>
         <p:spPr>
           <a:xfrm>
-            <a:off x="838201" y="652323"/>
-            <a:ext cx="7734300" cy="10383279"/>
+            <a:off x="907396" y="652323"/>
+            <a:ext cx="8372783" cy="10383279"/>
           </a:xfrm>
         </p:spPr>
         <p:txBody>
@@ -538,7 +545,7 @@
             <a:pPr lvl="0"/>
             <a:r>
               <a:rPr lang="en-US"/>
-              <a:t>Click to edit Master text styles</a:t>
+              <a:t>Edit Master text styles</a:t>
             </a:r>
           </a:p>
           <a:p>
@@ -589,7 +596,7 @@
           <a:p>
             <a:fld id="{29AF409B-4D34-BF4A-AD8E-1B86655E1E1A}" type="datetimeFigureOut">
               <a:rPr lang="en-US" smtClean="0"/>
-              <a:t>12/6/21</a:t>
+              <a:t>1/25/22</a:t>
             </a:fld>
             <a:endParaRPr lang="en-US"/>
           </a:p>
@@ -640,7 +647,7 @@
     </p:spTree>
     <p:extLst>
       <p:ext uri="{BB962C8B-B14F-4D97-AF65-F5344CB8AC3E}">
-        <p14:creationId xmlns:p14="http://schemas.microsoft.com/office/powerpoint/2010/main" val="2287064991"/>
+        <p14:creationId xmlns:p14="http://schemas.microsoft.com/office/powerpoint/2010/main" val="3054541441"/>
       </p:ext>
     </p:extLst>
   </p:cSld>
@@ -708,7 +715,7 @@
             <a:pPr lvl="0"/>
             <a:r>
               <a:rPr lang="en-US"/>
-              <a:t>Click to edit Master text styles</a:t>
+              <a:t>Edit Master text styles</a:t>
             </a:r>
           </a:p>
           <a:p>
@@ -759,7 +766,7 @@
           <a:p>
             <a:fld id="{29AF409B-4D34-BF4A-AD8E-1B86655E1E1A}" type="datetimeFigureOut">
               <a:rPr lang="en-US" smtClean="0"/>
-              <a:t>12/6/21</a:t>
+              <a:t>1/25/22</a:t>
             </a:fld>
             <a:endParaRPr lang="en-US"/>
           </a:p>
@@ -810,7 +817,7 @@
     </p:spTree>
     <p:extLst>
       <p:ext uri="{BB962C8B-B14F-4D97-AF65-F5344CB8AC3E}">
-        <p14:creationId xmlns:p14="http://schemas.microsoft.com/office/powerpoint/2010/main" val="2244456160"/>
+        <p14:creationId xmlns:p14="http://schemas.microsoft.com/office/powerpoint/2010/main" val="1067646385"/>
       </p:ext>
     </p:extLst>
   </p:cSld>
@@ -849,15 +856,15 @@
         </p:nvSpPr>
         <p:spPr>
           <a:xfrm>
-            <a:off x="831851" y="3054576"/>
-            <a:ext cx="10515600" cy="5096626"/>
+            <a:off x="900522" y="3054576"/>
+            <a:ext cx="11383685" cy="5096626"/>
           </a:xfrm>
         </p:spPr>
         <p:txBody>
           <a:bodyPr anchor="b"/>
           <a:lstStyle>
             <a:lvl1pPr>
-              <a:defRPr sz="8000"/>
+              <a:defRPr sz="8660"/>
             </a:lvl1pPr>
           </a:lstStyle>
           <a:p>
@@ -881,8 +888,8 @@
         </p:nvSpPr>
         <p:spPr>
           <a:xfrm>
-            <a:off x="831851" y="8199418"/>
-            <a:ext cx="10515600" cy="2680195"/>
+            <a:off x="900522" y="8199418"/>
+            <a:ext cx="11383685" cy="2680195"/>
           </a:xfrm>
         </p:spPr>
         <p:txBody>
@@ -890,15 +897,15 @@
           <a:lstStyle>
             <a:lvl1pPr marL="0" indent="0">
               <a:buNone/>
-              <a:defRPr sz="3200">
+              <a:defRPr sz="3464">
                 <a:solidFill>
                   <a:schemeClr val="tx1"/>
                 </a:solidFill>
               </a:defRPr>
             </a:lvl1pPr>
-            <a:lvl2pPr marL="609585" indent="0">
-              <a:buNone/>
-              <a:defRPr sz="2667">
+            <a:lvl2pPr marL="659922" indent="0">
+              <a:buNone/>
+              <a:defRPr sz="2887">
                 <a:solidFill>
                   <a:schemeClr val="tx1">
                     <a:tint val="75000"/>
@@ -906,9 +913,9 @@
                 </a:solidFill>
               </a:defRPr>
             </a:lvl2pPr>
-            <a:lvl3pPr marL="1219170" indent="0">
-              <a:buNone/>
-              <a:defRPr sz="2400">
+            <a:lvl3pPr marL="1319845" indent="0">
+              <a:buNone/>
+              <a:defRPr sz="2598">
                 <a:solidFill>
                   <a:schemeClr val="tx1">
                     <a:tint val="75000"/>
@@ -916,9 +923,9 @@
                 </a:solidFill>
               </a:defRPr>
             </a:lvl3pPr>
-            <a:lvl4pPr marL="1828754" indent="0">
-              <a:buNone/>
-              <a:defRPr sz="2133">
+            <a:lvl4pPr marL="1979767" indent="0">
+              <a:buNone/>
+              <a:defRPr sz="2309">
                 <a:solidFill>
                   <a:schemeClr val="tx1">
                     <a:tint val="75000"/>
@@ -926,9 +933,9 @@
                 </a:solidFill>
               </a:defRPr>
             </a:lvl4pPr>
-            <a:lvl5pPr marL="2438339" indent="0">
-              <a:buNone/>
-              <a:defRPr sz="2133">
+            <a:lvl5pPr marL="2639690" indent="0">
+              <a:buNone/>
+              <a:defRPr sz="2309">
                 <a:solidFill>
                   <a:schemeClr val="tx1">
                     <a:tint val="75000"/>
@@ -936,9 +943,9 @@
                 </a:solidFill>
               </a:defRPr>
             </a:lvl5pPr>
-            <a:lvl6pPr marL="3047924" indent="0">
-              <a:buNone/>
-              <a:defRPr sz="2133">
+            <a:lvl6pPr marL="3299612" indent="0">
+              <a:buNone/>
+              <a:defRPr sz="2309">
                 <a:solidFill>
                   <a:schemeClr val="tx1">
                     <a:tint val="75000"/>
@@ -946,9 +953,9 @@
                 </a:solidFill>
               </a:defRPr>
             </a:lvl6pPr>
-            <a:lvl7pPr marL="3657509" indent="0">
-              <a:buNone/>
-              <a:defRPr sz="2133">
+            <a:lvl7pPr marL="3959535" indent="0">
+              <a:buNone/>
+              <a:defRPr sz="2309">
                 <a:solidFill>
                   <a:schemeClr val="tx1">
                     <a:tint val="75000"/>
@@ -956,9 +963,9 @@
                 </a:solidFill>
               </a:defRPr>
             </a:lvl7pPr>
-            <a:lvl8pPr marL="4267093" indent="0">
-              <a:buNone/>
-              <a:defRPr sz="2133">
+            <a:lvl8pPr marL="4619457" indent="0">
+              <a:buNone/>
+              <a:defRPr sz="2309">
                 <a:solidFill>
                   <a:schemeClr val="tx1">
                     <a:tint val="75000"/>
@@ -966,9 +973,9 @@
                 </a:solidFill>
               </a:defRPr>
             </a:lvl8pPr>
-            <a:lvl9pPr marL="4876678" indent="0">
-              <a:buNone/>
-              <a:defRPr sz="2133">
+            <a:lvl9pPr marL="5279380" indent="0">
+              <a:buNone/>
+              <a:defRPr sz="2309">
                 <a:solidFill>
                   <a:schemeClr val="tx1">
                     <a:tint val="75000"/>
@@ -981,7 +988,7 @@
             <a:pPr lvl="0"/>
             <a:r>
               <a:rPr lang="en-US"/>
-              <a:t>Click to edit Master text styles</a:t>
+              <a:t>Edit Master text styles</a:t>
             </a:r>
           </a:p>
         </p:txBody>
@@ -1003,7 +1010,7 @@
           <a:p>
             <a:fld id="{29AF409B-4D34-BF4A-AD8E-1B86655E1E1A}" type="datetimeFigureOut">
               <a:rPr lang="en-US" smtClean="0"/>
-              <a:t>12/6/21</a:t>
+              <a:t>1/25/22</a:t>
             </a:fld>
             <a:endParaRPr lang="en-US"/>
           </a:p>
@@ -1054,7 +1061,7 @@
     </p:spTree>
     <p:extLst>
       <p:ext uri="{BB962C8B-B14F-4D97-AF65-F5344CB8AC3E}">
-        <p14:creationId xmlns:p14="http://schemas.microsoft.com/office/powerpoint/2010/main" val="457096020"/>
+        <p14:creationId xmlns:p14="http://schemas.microsoft.com/office/powerpoint/2010/main" val="1906976802"/>
       </p:ext>
     </p:extLst>
   </p:cSld>
@@ -1116,8 +1123,8 @@
         </p:nvSpPr>
         <p:spPr>
           <a:xfrm>
-            <a:off x="838200" y="3261614"/>
-            <a:ext cx="5181600" cy="7773988"/>
+            <a:off x="907395" y="3261614"/>
+            <a:ext cx="5609352" cy="7773988"/>
           </a:xfrm>
         </p:spPr>
         <p:txBody>
@@ -1127,7 +1134,7 @@
             <a:pPr lvl="0"/>
             <a:r>
               <a:rPr lang="en-US"/>
-              <a:t>Click to edit Master text styles</a:t>
+              <a:t>Edit Master text styles</a:t>
             </a:r>
           </a:p>
           <a:p>
@@ -1173,8 +1180,8 @@
         </p:nvSpPr>
         <p:spPr>
           <a:xfrm>
-            <a:off x="6172200" y="3261614"/>
-            <a:ext cx="5181600" cy="7773988"/>
+            <a:off x="6681728" y="3261614"/>
+            <a:ext cx="5609352" cy="7773988"/>
           </a:xfrm>
         </p:spPr>
         <p:txBody>
@@ -1184,7 +1191,7 @@
             <a:pPr lvl="0"/>
             <a:r>
               <a:rPr lang="en-US"/>
-              <a:t>Click to edit Master text styles</a:t>
+              <a:t>Edit Master text styles</a:t>
             </a:r>
           </a:p>
           <a:p>
@@ -1235,7 +1242,7 @@
           <a:p>
             <a:fld id="{29AF409B-4D34-BF4A-AD8E-1B86655E1E1A}" type="datetimeFigureOut">
               <a:rPr lang="en-US" smtClean="0"/>
-              <a:t>12/6/21</a:t>
+              <a:t>1/25/22</a:t>
             </a:fld>
             <a:endParaRPr lang="en-US"/>
           </a:p>
@@ -1286,7 +1293,7 @@
     </p:spTree>
     <p:extLst>
       <p:ext uri="{BB962C8B-B14F-4D97-AF65-F5344CB8AC3E}">
-        <p14:creationId xmlns:p14="http://schemas.microsoft.com/office/powerpoint/2010/main" val="2591518165"/>
+        <p14:creationId xmlns:p14="http://schemas.microsoft.com/office/powerpoint/2010/main" val="687966791"/>
       </p:ext>
     </p:extLst>
   </p:cSld>
@@ -1325,8 +1332,8 @@
         </p:nvSpPr>
         <p:spPr>
           <a:xfrm>
-            <a:off x="839788" y="652326"/>
-            <a:ext cx="10515600" cy="2368216"/>
+            <a:off x="909114" y="652326"/>
+            <a:ext cx="11383685" cy="2368216"/>
           </a:xfrm>
         </p:spPr>
         <p:txBody>
@@ -1353,8 +1360,8 @@
         </p:nvSpPr>
         <p:spPr>
           <a:xfrm>
-            <a:off x="839789" y="3003522"/>
-            <a:ext cx="5157787" cy="1471980"/>
+            <a:off x="909116" y="3003522"/>
+            <a:ext cx="5583573" cy="1471980"/>
           </a:xfrm>
         </p:spPr>
         <p:txBody>
@@ -1362,46 +1369,46 @@
           <a:lstStyle>
             <a:lvl1pPr marL="0" indent="0">
               <a:buNone/>
-              <a:defRPr sz="3200" b="1"/>
+              <a:defRPr sz="3464" b="1"/>
             </a:lvl1pPr>
-            <a:lvl2pPr marL="609585" indent="0">
-              <a:buNone/>
-              <a:defRPr sz="2667" b="1"/>
+            <a:lvl2pPr marL="659922" indent="0">
+              <a:buNone/>
+              <a:defRPr sz="2887" b="1"/>
             </a:lvl2pPr>
-            <a:lvl3pPr marL="1219170" indent="0">
-              <a:buNone/>
-              <a:defRPr sz="2400" b="1"/>
+            <a:lvl3pPr marL="1319845" indent="0">
+              <a:buNone/>
+              <a:defRPr sz="2598" b="1"/>
             </a:lvl3pPr>
-            <a:lvl4pPr marL="1828754" indent="0">
-              <a:buNone/>
-              <a:defRPr sz="2133" b="1"/>
+            <a:lvl4pPr marL="1979767" indent="0">
+              <a:buNone/>
+              <a:defRPr sz="2309" b="1"/>
             </a:lvl4pPr>
-            <a:lvl5pPr marL="2438339" indent="0">
-              <a:buNone/>
-              <a:defRPr sz="2133" b="1"/>
+            <a:lvl5pPr marL="2639690" indent="0">
+              <a:buNone/>
+              <a:defRPr sz="2309" b="1"/>
             </a:lvl5pPr>
-            <a:lvl6pPr marL="3047924" indent="0">
-              <a:buNone/>
-              <a:defRPr sz="2133" b="1"/>
+            <a:lvl6pPr marL="3299612" indent="0">
+              <a:buNone/>
+              <a:defRPr sz="2309" b="1"/>
             </a:lvl6pPr>
-            <a:lvl7pPr marL="3657509" indent="0">
-              <a:buNone/>
-              <a:defRPr sz="2133" b="1"/>
+            <a:lvl7pPr marL="3959535" indent="0">
+              <a:buNone/>
+              <a:defRPr sz="2309" b="1"/>
             </a:lvl7pPr>
-            <a:lvl8pPr marL="4267093" indent="0">
-              <a:buNone/>
-              <a:defRPr sz="2133" b="1"/>
+            <a:lvl8pPr marL="4619457" indent="0">
+              <a:buNone/>
+              <a:defRPr sz="2309" b="1"/>
             </a:lvl8pPr>
-            <a:lvl9pPr marL="4876678" indent="0">
-              <a:buNone/>
-              <a:defRPr sz="2133" b="1"/>
+            <a:lvl9pPr marL="5279380" indent="0">
+              <a:buNone/>
+              <a:defRPr sz="2309" b="1"/>
             </a:lvl9pPr>
           </a:lstStyle>
           <a:p>
             <a:pPr lvl="0"/>
             <a:r>
               <a:rPr lang="en-US"/>
-              <a:t>Click to edit Master text styles</a:t>
+              <a:t>Edit Master text styles</a:t>
             </a:r>
           </a:p>
         </p:txBody>
@@ -1418,8 +1425,8 @@
         </p:nvSpPr>
         <p:spPr>
           <a:xfrm>
-            <a:off x="839789" y="4475502"/>
-            <a:ext cx="5157787" cy="6582789"/>
+            <a:off x="909116" y="4475502"/>
+            <a:ext cx="5583573" cy="6582789"/>
           </a:xfrm>
         </p:spPr>
         <p:txBody>
@@ -1429,7 +1436,7 @@
             <a:pPr lvl="0"/>
             <a:r>
               <a:rPr lang="en-US"/>
-              <a:t>Click to edit Master text styles</a:t>
+              <a:t>Edit Master text styles</a:t>
             </a:r>
           </a:p>
           <a:p>
@@ -1475,8 +1482,8 @@
         </p:nvSpPr>
         <p:spPr>
           <a:xfrm>
-            <a:off x="6172201" y="3003522"/>
-            <a:ext cx="5183188" cy="1471980"/>
+            <a:off x="6681729" y="3003522"/>
+            <a:ext cx="5611071" cy="1471980"/>
           </a:xfrm>
         </p:spPr>
         <p:txBody>
@@ -1484,46 +1491,46 @@
           <a:lstStyle>
             <a:lvl1pPr marL="0" indent="0">
               <a:buNone/>
-              <a:defRPr sz="3200" b="1"/>
+              <a:defRPr sz="3464" b="1"/>
             </a:lvl1pPr>
-            <a:lvl2pPr marL="609585" indent="0">
-              <a:buNone/>
-              <a:defRPr sz="2667" b="1"/>
+            <a:lvl2pPr marL="659922" indent="0">
+              <a:buNone/>
+              <a:defRPr sz="2887" b="1"/>
             </a:lvl2pPr>
-            <a:lvl3pPr marL="1219170" indent="0">
-              <a:buNone/>
-              <a:defRPr sz="2400" b="1"/>
+            <a:lvl3pPr marL="1319845" indent="0">
+              <a:buNone/>
+              <a:defRPr sz="2598" b="1"/>
             </a:lvl3pPr>
-            <a:lvl4pPr marL="1828754" indent="0">
-              <a:buNone/>
-              <a:defRPr sz="2133" b="1"/>
+            <a:lvl4pPr marL="1979767" indent="0">
+              <a:buNone/>
+              <a:defRPr sz="2309" b="1"/>
             </a:lvl4pPr>
-            <a:lvl5pPr marL="2438339" indent="0">
-              <a:buNone/>
-              <a:defRPr sz="2133" b="1"/>
+            <a:lvl5pPr marL="2639690" indent="0">
+              <a:buNone/>
+              <a:defRPr sz="2309" b="1"/>
             </a:lvl5pPr>
-            <a:lvl6pPr marL="3047924" indent="0">
-              <a:buNone/>
-              <a:defRPr sz="2133" b="1"/>
+            <a:lvl6pPr marL="3299612" indent="0">
+              <a:buNone/>
+              <a:defRPr sz="2309" b="1"/>
             </a:lvl6pPr>
-            <a:lvl7pPr marL="3657509" indent="0">
-              <a:buNone/>
-              <a:defRPr sz="2133" b="1"/>
+            <a:lvl7pPr marL="3959535" indent="0">
+              <a:buNone/>
+              <a:defRPr sz="2309" b="1"/>
             </a:lvl7pPr>
-            <a:lvl8pPr marL="4267093" indent="0">
-              <a:buNone/>
-              <a:defRPr sz="2133" b="1"/>
+            <a:lvl8pPr marL="4619457" indent="0">
+              <a:buNone/>
+              <a:defRPr sz="2309" b="1"/>
             </a:lvl8pPr>
-            <a:lvl9pPr marL="4876678" indent="0">
-              <a:buNone/>
-              <a:defRPr sz="2133" b="1"/>
+            <a:lvl9pPr marL="5279380" indent="0">
+              <a:buNone/>
+              <a:defRPr sz="2309" b="1"/>
             </a:lvl9pPr>
           </a:lstStyle>
           <a:p>
             <a:pPr lvl="0"/>
             <a:r>
               <a:rPr lang="en-US"/>
-              <a:t>Click to edit Master text styles</a:t>
+              <a:t>Edit Master text styles</a:t>
             </a:r>
           </a:p>
         </p:txBody>
@@ -1540,8 +1547,8 @@
         </p:nvSpPr>
         <p:spPr>
           <a:xfrm>
-            <a:off x="6172201" y="4475502"/>
-            <a:ext cx="5183188" cy="6582789"/>
+            <a:off x="6681729" y="4475502"/>
+            <a:ext cx="5611071" cy="6582789"/>
           </a:xfrm>
         </p:spPr>
         <p:txBody>
@@ -1551,7 +1558,7 @@
             <a:pPr lvl="0"/>
             <a:r>
               <a:rPr lang="en-US"/>
-              <a:t>Click to edit Master text styles</a:t>
+              <a:t>Edit Master text styles</a:t>
             </a:r>
           </a:p>
           <a:p>
@@ -1602,7 +1609,7 @@
           <a:p>
             <a:fld id="{29AF409B-4D34-BF4A-AD8E-1B86655E1E1A}" type="datetimeFigureOut">
               <a:rPr lang="en-US" smtClean="0"/>
-              <a:t>12/6/21</a:t>
+              <a:t>1/25/22</a:t>
             </a:fld>
             <a:endParaRPr lang="en-US"/>
           </a:p>
@@ -1653,7 +1660,7 @@
     </p:spTree>
     <p:extLst>
       <p:ext uri="{BB962C8B-B14F-4D97-AF65-F5344CB8AC3E}">
-        <p14:creationId xmlns:p14="http://schemas.microsoft.com/office/powerpoint/2010/main" val="3415711558"/>
+        <p14:creationId xmlns:p14="http://schemas.microsoft.com/office/powerpoint/2010/main" val="2761862799"/>
       </p:ext>
     </p:extLst>
   </p:cSld>
@@ -1720,7 +1727,7 @@
           <a:p>
             <a:fld id="{29AF409B-4D34-BF4A-AD8E-1B86655E1E1A}" type="datetimeFigureOut">
               <a:rPr lang="en-US" smtClean="0"/>
-              <a:t>12/6/21</a:t>
+              <a:t>1/25/22</a:t>
             </a:fld>
             <a:endParaRPr lang="en-US"/>
           </a:p>
@@ -1771,7 +1778,7 @@
     </p:spTree>
     <p:extLst>
       <p:ext uri="{BB962C8B-B14F-4D97-AF65-F5344CB8AC3E}">
-        <p14:creationId xmlns:p14="http://schemas.microsoft.com/office/powerpoint/2010/main" val="3683300072"/>
+        <p14:creationId xmlns:p14="http://schemas.microsoft.com/office/powerpoint/2010/main" val="1369345999"/>
       </p:ext>
     </p:extLst>
   </p:cSld>
@@ -1815,7 +1822,7 @@
           <a:p>
             <a:fld id="{29AF409B-4D34-BF4A-AD8E-1B86655E1E1A}" type="datetimeFigureOut">
               <a:rPr lang="en-US" smtClean="0"/>
-              <a:t>12/6/21</a:t>
+              <a:t>1/25/22</a:t>
             </a:fld>
             <a:endParaRPr lang="en-US"/>
           </a:p>
@@ -1866,7 +1873,7 @@
     </p:spTree>
     <p:extLst>
       <p:ext uri="{BB962C8B-B14F-4D97-AF65-F5344CB8AC3E}">
-        <p14:creationId xmlns:p14="http://schemas.microsoft.com/office/powerpoint/2010/main" val="2858467630"/>
+        <p14:creationId xmlns:p14="http://schemas.microsoft.com/office/powerpoint/2010/main" val="2729016753"/>
       </p:ext>
     </p:extLst>
   </p:cSld>
@@ -1905,15 +1912,15 @@
         </p:nvSpPr>
         <p:spPr>
           <a:xfrm>
-            <a:off x="839788" y="816822"/>
-            <a:ext cx="3932237" cy="2858876"/>
+            <a:off x="909114" y="816822"/>
+            <a:ext cx="4256852" cy="2858876"/>
           </a:xfrm>
         </p:spPr>
         <p:txBody>
           <a:bodyPr anchor="b"/>
           <a:lstStyle>
             <a:lvl1pPr>
-              <a:defRPr sz="4267"/>
+              <a:defRPr sz="4619"/>
             </a:lvl1pPr>
           </a:lstStyle>
           <a:p>
@@ -1937,46 +1944,46 @@
         </p:nvSpPr>
         <p:spPr>
           <a:xfrm>
-            <a:off x="5183188" y="1764111"/>
-            <a:ext cx="6172200" cy="8707092"/>
+            <a:off x="5611071" y="1764111"/>
+            <a:ext cx="6681728" cy="8707092"/>
           </a:xfrm>
         </p:spPr>
         <p:txBody>
           <a:bodyPr/>
           <a:lstStyle>
             <a:lvl1pPr>
-              <a:defRPr sz="4267"/>
+              <a:defRPr sz="4619"/>
             </a:lvl1pPr>
             <a:lvl2pPr>
-              <a:defRPr sz="3733"/>
+              <a:defRPr sz="4042"/>
             </a:lvl2pPr>
             <a:lvl3pPr>
-              <a:defRPr sz="3200"/>
+              <a:defRPr sz="3464"/>
             </a:lvl3pPr>
             <a:lvl4pPr>
-              <a:defRPr sz="2667"/>
+              <a:defRPr sz="2887"/>
             </a:lvl4pPr>
             <a:lvl5pPr>
-              <a:defRPr sz="2667"/>
+              <a:defRPr sz="2887"/>
             </a:lvl5pPr>
             <a:lvl6pPr>
-              <a:defRPr sz="2667"/>
+              <a:defRPr sz="2887"/>
             </a:lvl6pPr>
             <a:lvl7pPr>
-              <a:defRPr sz="2667"/>
+              <a:defRPr sz="2887"/>
             </a:lvl7pPr>
             <a:lvl8pPr>
-              <a:defRPr sz="2667"/>
+              <a:defRPr sz="2887"/>
             </a:lvl8pPr>
             <a:lvl9pPr>
-              <a:defRPr sz="2667"/>
+              <a:defRPr sz="2887"/>
             </a:lvl9pPr>
           </a:lstStyle>
           <a:p>
             <a:pPr lvl="0"/>
             <a:r>
               <a:rPr lang="en-US"/>
-              <a:t>Click to edit Master text styles</a:t>
+              <a:t>Edit Master text styles</a:t>
             </a:r>
           </a:p>
           <a:p>
@@ -2022,8 +2029,8 @@
         </p:nvSpPr>
         <p:spPr>
           <a:xfrm>
-            <a:off x="839788" y="3675698"/>
-            <a:ext cx="3932237" cy="6809684"/>
+            <a:off x="909114" y="3675698"/>
+            <a:ext cx="4256852" cy="6809684"/>
           </a:xfrm>
         </p:spPr>
         <p:txBody>
@@ -2031,46 +2038,46 @@
           <a:lstStyle>
             <a:lvl1pPr marL="0" indent="0">
               <a:buNone/>
-              <a:defRPr sz="2133"/>
+              <a:defRPr sz="2309"/>
             </a:lvl1pPr>
-            <a:lvl2pPr marL="609585" indent="0">
-              <a:buNone/>
-              <a:defRPr sz="1867"/>
+            <a:lvl2pPr marL="659922" indent="0">
+              <a:buNone/>
+              <a:defRPr sz="2021"/>
             </a:lvl2pPr>
-            <a:lvl3pPr marL="1219170" indent="0">
-              <a:buNone/>
-              <a:defRPr sz="1600"/>
+            <a:lvl3pPr marL="1319845" indent="0">
+              <a:buNone/>
+              <a:defRPr sz="1732"/>
             </a:lvl3pPr>
-            <a:lvl4pPr marL="1828754" indent="0">
-              <a:buNone/>
-              <a:defRPr sz="1333"/>
+            <a:lvl4pPr marL="1979767" indent="0">
+              <a:buNone/>
+              <a:defRPr sz="1443"/>
             </a:lvl4pPr>
-            <a:lvl5pPr marL="2438339" indent="0">
-              <a:buNone/>
-              <a:defRPr sz="1333"/>
+            <a:lvl5pPr marL="2639690" indent="0">
+              <a:buNone/>
+              <a:defRPr sz="1443"/>
             </a:lvl5pPr>
-            <a:lvl6pPr marL="3047924" indent="0">
-              <a:buNone/>
-              <a:defRPr sz="1333"/>
+            <a:lvl6pPr marL="3299612" indent="0">
+              <a:buNone/>
+              <a:defRPr sz="1443"/>
             </a:lvl6pPr>
-            <a:lvl7pPr marL="3657509" indent="0">
-              <a:buNone/>
-              <a:defRPr sz="1333"/>
+            <a:lvl7pPr marL="3959535" indent="0">
+              <a:buNone/>
+              <a:defRPr sz="1443"/>
             </a:lvl7pPr>
-            <a:lvl8pPr marL="4267093" indent="0">
-              <a:buNone/>
-              <a:defRPr sz="1333"/>
+            <a:lvl8pPr marL="4619457" indent="0">
+              <a:buNone/>
+              <a:defRPr sz="1443"/>
             </a:lvl8pPr>
-            <a:lvl9pPr marL="4876678" indent="0">
-              <a:buNone/>
-              <a:defRPr sz="1333"/>
+            <a:lvl9pPr marL="5279380" indent="0">
+              <a:buNone/>
+              <a:defRPr sz="1443"/>
             </a:lvl9pPr>
           </a:lstStyle>
           <a:p>
             <a:pPr lvl="0"/>
             <a:r>
               <a:rPr lang="en-US"/>
-              <a:t>Click to edit Master text styles</a:t>
+              <a:t>Edit Master text styles</a:t>
             </a:r>
           </a:p>
         </p:txBody>
@@ -2092,7 +2099,7 @@
           <a:p>
             <a:fld id="{29AF409B-4D34-BF4A-AD8E-1B86655E1E1A}" type="datetimeFigureOut">
               <a:rPr lang="en-US" smtClean="0"/>
-              <a:t>12/6/21</a:t>
+              <a:t>1/25/22</a:t>
             </a:fld>
             <a:endParaRPr lang="en-US"/>
           </a:p>
@@ -2143,7 +2150,7 @@
     </p:spTree>
     <p:extLst>
       <p:ext uri="{BB962C8B-B14F-4D97-AF65-F5344CB8AC3E}">
-        <p14:creationId xmlns:p14="http://schemas.microsoft.com/office/powerpoint/2010/main" val="3033287119"/>
+        <p14:creationId xmlns:p14="http://schemas.microsoft.com/office/powerpoint/2010/main" val="2084646597"/>
       </p:ext>
     </p:extLst>
   </p:cSld>
@@ -2182,15 +2189,15 @@
         </p:nvSpPr>
         <p:spPr>
           <a:xfrm>
-            <a:off x="839788" y="816822"/>
-            <a:ext cx="3932237" cy="2858876"/>
+            <a:off x="909114" y="816822"/>
+            <a:ext cx="4256852" cy="2858876"/>
           </a:xfrm>
         </p:spPr>
         <p:txBody>
           <a:bodyPr anchor="b"/>
           <a:lstStyle>
             <a:lvl1pPr>
-              <a:defRPr sz="4267"/>
+              <a:defRPr sz="4619"/>
             </a:lvl1pPr>
           </a:lstStyle>
           <a:p>
@@ -2214,8 +2221,8 @@
         </p:nvSpPr>
         <p:spPr>
           <a:xfrm>
-            <a:off x="5183188" y="1764111"/>
-            <a:ext cx="6172200" cy="8707092"/>
+            <a:off x="5611071" y="1764111"/>
+            <a:ext cx="6681728" cy="8707092"/>
           </a:xfrm>
         </p:spPr>
         <p:txBody>
@@ -2223,39 +2230,39 @@
           <a:lstStyle>
             <a:lvl1pPr marL="0" indent="0">
               <a:buNone/>
-              <a:defRPr sz="4267"/>
+              <a:defRPr sz="4619"/>
             </a:lvl1pPr>
-            <a:lvl2pPr marL="609585" indent="0">
-              <a:buNone/>
-              <a:defRPr sz="3733"/>
+            <a:lvl2pPr marL="659922" indent="0">
+              <a:buNone/>
+              <a:defRPr sz="4042"/>
             </a:lvl2pPr>
-            <a:lvl3pPr marL="1219170" indent="0">
-              <a:buNone/>
-              <a:defRPr sz="3200"/>
+            <a:lvl3pPr marL="1319845" indent="0">
+              <a:buNone/>
+              <a:defRPr sz="3464"/>
             </a:lvl3pPr>
-            <a:lvl4pPr marL="1828754" indent="0">
-              <a:buNone/>
-              <a:defRPr sz="2667"/>
+            <a:lvl4pPr marL="1979767" indent="0">
+              <a:buNone/>
+              <a:defRPr sz="2887"/>
             </a:lvl4pPr>
-            <a:lvl5pPr marL="2438339" indent="0">
-              <a:buNone/>
-              <a:defRPr sz="2667"/>
+            <a:lvl5pPr marL="2639690" indent="0">
+              <a:buNone/>
+              <a:defRPr sz="2887"/>
             </a:lvl5pPr>
-            <a:lvl6pPr marL="3047924" indent="0">
-              <a:buNone/>
-              <a:defRPr sz="2667"/>
+            <a:lvl6pPr marL="3299612" indent="0">
+              <a:buNone/>
+              <a:defRPr sz="2887"/>
             </a:lvl6pPr>
-            <a:lvl7pPr marL="3657509" indent="0">
-              <a:buNone/>
-              <a:defRPr sz="2667"/>
+            <a:lvl7pPr marL="3959535" indent="0">
+              <a:buNone/>
+              <a:defRPr sz="2887"/>
             </a:lvl7pPr>
-            <a:lvl8pPr marL="4267093" indent="0">
-              <a:buNone/>
-              <a:defRPr sz="2667"/>
+            <a:lvl8pPr marL="4619457" indent="0">
+              <a:buNone/>
+              <a:defRPr sz="2887"/>
             </a:lvl8pPr>
-            <a:lvl9pPr marL="4876678" indent="0">
-              <a:buNone/>
-              <a:defRPr sz="2667"/>
+            <a:lvl9pPr marL="5279380" indent="0">
+              <a:buNone/>
+              <a:defRPr sz="2887"/>
             </a:lvl9pPr>
           </a:lstStyle>
           <a:p>
@@ -2279,8 +2286,8 @@
         </p:nvSpPr>
         <p:spPr>
           <a:xfrm>
-            <a:off x="839788" y="3675698"/>
-            <a:ext cx="3932237" cy="6809684"/>
+            <a:off x="909114" y="3675698"/>
+            <a:ext cx="4256852" cy="6809684"/>
           </a:xfrm>
         </p:spPr>
         <p:txBody>
@@ -2288,46 +2295,46 @@
           <a:lstStyle>
             <a:lvl1pPr marL="0" indent="0">
               <a:buNone/>
-              <a:defRPr sz="2133"/>
+              <a:defRPr sz="2309"/>
             </a:lvl1pPr>
-            <a:lvl2pPr marL="609585" indent="0">
-              <a:buNone/>
-              <a:defRPr sz="1867"/>
+            <a:lvl2pPr marL="659922" indent="0">
+              <a:buNone/>
+              <a:defRPr sz="2021"/>
             </a:lvl2pPr>
-            <a:lvl3pPr marL="1219170" indent="0">
-              <a:buNone/>
-              <a:defRPr sz="1600"/>
+            <a:lvl3pPr marL="1319845" indent="0">
+              <a:buNone/>
+              <a:defRPr sz="1732"/>
             </a:lvl3pPr>
-            <a:lvl4pPr marL="1828754" indent="0">
-              <a:buNone/>
-              <a:defRPr sz="1333"/>
+            <a:lvl4pPr marL="1979767" indent="0">
+              <a:buNone/>
+              <a:defRPr sz="1443"/>
             </a:lvl4pPr>
-            <a:lvl5pPr marL="2438339" indent="0">
-              <a:buNone/>
-              <a:defRPr sz="1333"/>
+            <a:lvl5pPr marL="2639690" indent="0">
+              <a:buNone/>
+              <a:defRPr sz="1443"/>
             </a:lvl5pPr>
-            <a:lvl6pPr marL="3047924" indent="0">
-              <a:buNone/>
-              <a:defRPr sz="1333"/>
+            <a:lvl6pPr marL="3299612" indent="0">
+              <a:buNone/>
+              <a:defRPr sz="1443"/>
             </a:lvl6pPr>
-            <a:lvl7pPr marL="3657509" indent="0">
-              <a:buNone/>
-              <a:defRPr sz="1333"/>
+            <a:lvl7pPr marL="3959535" indent="0">
+              <a:buNone/>
+              <a:defRPr sz="1443"/>
             </a:lvl7pPr>
-            <a:lvl8pPr marL="4267093" indent="0">
-              <a:buNone/>
-              <a:defRPr sz="1333"/>
+            <a:lvl8pPr marL="4619457" indent="0">
+              <a:buNone/>
+              <a:defRPr sz="1443"/>
             </a:lvl8pPr>
-            <a:lvl9pPr marL="4876678" indent="0">
-              <a:buNone/>
-              <a:defRPr sz="1333"/>
+            <a:lvl9pPr marL="5279380" indent="0">
+              <a:buNone/>
+              <a:defRPr sz="1443"/>
             </a:lvl9pPr>
           </a:lstStyle>
           <a:p>
             <a:pPr lvl="0"/>
             <a:r>
               <a:rPr lang="en-US"/>
-              <a:t>Click to edit Master text styles</a:t>
+              <a:t>Edit Master text styles</a:t>
             </a:r>
           </a:p>
         </p:txBody>
@@ -2349,7 +2356,7 @@
           <a:p>
             <a:fld id="{29AF409B-4D34-BF4A-AD8E-1B86655E1E1A}" type="datetimeFigureOut">
               <a:rPr lang="en-US" smtClean="0"/>
-              <a:t>12/6/21</a:t>
+              <a:t>1/25/22</a:t>
             </a:fld>
             <a:endParaRPr lang="en-US"/>
           </a:p>
@@ -2400,7 +2407,7 @@
     </p:spTree>
     <p:extLst>
       <p:ext uri="{BB962C8B-B14F-4D97-AF65-F5344CB8AC3E}">
-        <p14:creationId xmlns:p14="http://schemas.microsoft.com/office/powerpoint/2010/main" val="3874961518"/>
+        <p14:creationId xmlns:p14="http://schemas.microsoft.com/office/powerpoint/2010/main" val="466936437"/>
       </p:ext>
     </p:extLst>
   </p:cSld>
@@ -2444,8 +2451,8 @@
         </p:nvSpPr>
         <p:spPr>
           <a:xfrm>
-            <a:off x="838200" y="652326"/>
-            <a:ext cx="10515600" cy="2368216"/>
+            <a:off x="907395" y="652326"/>
+            <a:ext cx="11383685" cy="2368216"/>
           </a:xfrm>
           <a:prstGeom prst="rect">
             <a:avLst/>
@@ -2477,8 +2484,8 @@
         </p:nvSpPr>
         <p:spPr>
           <a:xfrm>
-            <a:off x="838200" y="3261614"/>
-            <a:ext cx="10515600" cy="7773988"/>
+            <a:off x="907395" y="3261614"/>
+            <a:ext cx="11383685" cy="7773988"/>
           </a:xfrm>
           <a:prstGeom prst="rect">
             <a:avLst/>
@@ -2493,7 +2500,7 @@
             <a:pPr lvl="0"/>
             <a:r>
               <a:rPr lang="en-US"/>
-              <a:t>Click to edit Master text styles</a:t>
+              <a:t>Edit Master text styles</a:t>
             </a:r>
           </a:p>
           <a:p>
@@ -2539,8 +2546,8 @@
         </p:nvSpPr>
         <p:spPr>
           <a:xfrm>
-            <a:off x="838200" y="11356093"/>
-            <a:ext cx="2743200" cy="652323"/>
+            <a:off x="907395" y="11356093"/>
+            <a:ext cx="2969657" cy="652323"/>
           </a:xfrm>
           <a:prstGeom prst="rect">
             <a:avLst/>
@@ -2550,7 +2557,7 @@
           <a:bodyPr vert="horz" lIns="91440" tIns="45720" rIns="91440" bIns="45720" rtlCol="0" anchor="ctr"/>
           <a:lstStyle>
             <a:lvl1pPr algn="l">
-              <a:defRPr sz="1600">
+              <a:defRPr sz="1732">
                 <a:solidFill>
                   <a:schemeClr val="tx1">
                     <a:tint val="75000"/>
@@ -2562,7 +2569,7 @@
           <a:p>
             <a:fld id="{29AF409B-4D34-BF4A-AD8E-1B86655E1E1A}" type="datetimeFigureOut">
               <a:rPr lang="en-US" smtClean="0"/>
-              <a:t>12/6/21</a:t>
+              <a:t>1/25/22</a:t>
             </a:fld>
             <a:endParaRPr lang="en-US"/>
           </a:p>
@@ -2580,8 +2587,8 @@
         </p:nvSpPr>
         <p:spPr>
           <a:xfrm>
-            <a:off x="4038600" y="11356093"/>
-            <a:ext cx="4114800" cy="652323"/>
+            <a:off x="4371995" y="11356093"/>
+            <a:ext cx="4454485" cy="652323"/>
           </a:xfrm>
           <a:prstGeom prst="rect">
             <a:avLst/>
@@ -2591,7 +2598,7 @@
           <a:bodyPr vert="horz" lIns="91440" tIns="45720" rIns="91440" bIns="45720" rtlCol="0" anchor="ctr"/>
           <a:lstStyle>
             <a:lvl1pPr algn="ctr">
-              <a:defRPr sz="1600">
+              <a:defRPr sz="1732">
                 <a:solidFill>
                   <a:schemeClr val="tx1">
                     <a:tint val="75000"/>
@@ -2617,8 +2624,8 @@
         </p:nvSpPr>
         <p:spPr>
           <a:xfrm>
-            <a:off x="8610600" y="11356093"/>
-            <a:ext cx="2743200" cy="652323"/>
+            <a:off x="9321423" y="11356093"/>
+            <a:ext cx="2969657" cy="652323"/>
           </a:xfrm>
           <a:prstGeom prst="rect">
             <a:avLst/>
@@ -2628,7 +2635,7 @@
           <a:bodyPr vert="horz" lIns="91440" tIns="45720" rIns="91440" bIns="45720" rtlCol="0" anchor="ctr"/>
           <a:lstStyle>
             <a:lvl1pPr algn="r">
-              <a:defRPr sz="1600">
+              <a:defRPr sz="1732">
                 <a:solidFill>
                   <a:schemeClr val="tx1">
                     <a:tint val="75000"/>
@@ -2649,27 +2656,27 @@
     </p:spTree>
     <p:extLst>
       <p:ext uri="{BB962C8B-B14F-4D97-AF65-F5344CB8AC3E}">
-        <p14:creationId xmlns:p14="http://schemas.microsoft.com/office/powerpoint/2010/main" val="585928891"/>
+        <p14:creationId xmlns:p14="http://schemas.microsoft.com/office/powerpoint/2010/main" val="3687450695"/>
       </p:ext>
     </p:extLst>
   </p:cSld>
   <p:clrMap bg1="lt1" tx1="dk1" bg2="lt2" tx2="dk2" accent1="accent1" accent2="accent2" accent3="accent3" accent4="accent4" accent5="accent5" accent6="accent6" hlink="hlink" folHlink="folHlink"/>
   <p:sldLayoutIdLst>
-    <p:sldLayoutId id="2147483661" r:id="rId1"/>
-    <p:sldLayoutId id="2147483662" r:id="rId2"/>
-    <p:sldLayoutId id="2147483663" r:id="rId3"/>
-    <p:sldLayoutId id="2147483664" r:id="rId4"/>
-    <p:sldLayoutId id="2147483665" r:id="rId5"/>
-    <p:sldLayoutId id="2147483666" r:id="rId6"/>
-    <p:sldLayoutId id="2147483667" r:id="rId7"/>
-    <p:sldLayoutId id="2147483668" r:id="rId8"/>
-    <p:sldLayoutId id="2147483669" r:id="rId9"/>
-    <p:sldLayoutId id="2147483670" r:id="rId10"/>
-    <p:sldLayoutId id="2147483671" r:id="rId11"/>
+    <p:sldLayoutId id="2147483673" r:id="rId1"/>
+    <p:sldLayoutId id="2147483674" r:id="rId2"/>
+    <p:sldLayoutId id="2147483675" r:id="rId3"/>
+    <p:sldLayoutId id="2147483676" r:id="rId4"/>
+    <p:sldLayoutId id="2147483677" r:id="rId5"/>
+    <p:sldLayoutId id="2147483678" r:id="rId6"/>
+    <p:sldLayoutId id="2147483679" r:id="rId7"/>
+    <p:sldLayoutId id="2147483680" r:id="rId8"/>
+    <p:sldLayoutId id="2147483681" r:id="rId9"/>
+    <p:sldLayoutId id="2147483682" r:id="rId10"/>
+    <p:sldLayoutId id="2147483683" r:id="rId11"/>
   </p:sldLayoutIdLst>
   <p:txStyles>
     <p:titleStyle>
-      <a:lvl1pPr algn="l" defTabSz="1219170" rtl="0" eaLnBrk="1" latinLnBrk="0" hangingPunct="1">
+      <a:lvl1pPr algn="l" defTabSz="1319845" rtl="0" eaLnBrk="1" latinLnBrk="0" hangingPunct="1">
         <a:lnSpc>
           <a:spcPct val="90000"/>
         </a:lnSpc>
@@ -2677,7 +2684,7 @@
           <a:spcPct val="0"/>
         </a:spcBef>
         <a:buNone/>
-        <a:defRPr sz="5867" kern="1200">
+        <a:defRPr sz="6351" kern="1200">
           <a:solidFill>
             <a:schemeClr val="tx1"/>
           </a:solidFill>
@@ -2688,16 +2695,16 @@
       </a:lvl1pPr>
     </p:titleStyle>
     <p:bodyStyle>
-      <a:lvl1pPr marL="304792" indent="-304792" algn="l" defTabSz="1219170" rtl="0" eaLnBrk="1" latinLnBrk="0" hangingPunct="1">
+      <a:lvl1pPr marL="329961" indent="-329961" algn="l" defTabSz="1319845" rtl="0" eaLnBrk="1" latinLnBrk="0" hangingPunct="1">
         <a:lnSpc>
           <a:spcPct val="90000"/>
         </a:lnSpc>
         <a:spcBef>
-          <a:spcPts val="1333"/>
+          <a:spcPts val="1443"/>
         </a:spcBef>
         <a:buFont typeface="Arial" panose="020B0604020202020204" pitchFamily="34" charset="0"/>
         <a:buChar char="•"/>
-        <a:defRPr sz="3733" kern="1200">
+        <a:defRPr sz="4042" kern="1200">
           <a:solidFill>
             <a:schemeClr val="tx1"/>
           </a:solidFill>
@@ -2706,16 +2713,16 @@
           <a:cs typeface="+mn-cs"/>
         </a:defRPr>
       </a:lvl1pPr>
-      <a:lvl2pPr marL="914377" indent="-304792" algn="l" defTabSz="1219170" rtl="0" eaLnBrk="1" latinLnBrk="0" hangingPunct="1">
+      <a:lvl2pPr marL="989884" indent="-329961" algn="l" defTabSz="1319845" rtl="0" eaLnBrk="1" latinLnBrk="0" hangingPunct="1">
         <a:lnSpc>
           <a:spcPct val="90000"/>
         </a:lnSpc>
         <a:spcBef>
-          <a:spcPts val="667"/>
+          <a:spcPts val="722"/>
         </a:spcBef>
         <a:buFont typeface="Arial" panose="020B0604020202020204" pitchFamily="34" charset="0"/>
         <a:buChar char="•"/>
-        <a:defRPr sz="3200" kern="1200">
+        <a:defRPr sz="3464" kern="1200">
           <a:solidFill>
             <a:schemeClr val="tx1"/>
           </a:solidFill>
@@ -2724,16 +2731,16 @@
           <a:cs typeface="+mn-cs"/>
         </a:defRPr>
       </a:lvl2pPr>
-      <a:lvl3pPr marL="1523962" indent="-304792" algn="l" defTabSz="1219170" rtl="0" eaLnBrk="1" latinLnBrk="0" hangingPunct="1">
+      <a:lvl3pPr marL="1649806" indent="-329961" algn="l" defTabSz="1319845" rtl="0" eaLnBrk="1" latinLnBrk="0" hangingPunct="1">
         <a:lnSpc>
           <a:spcPct val="90000"/>
         </a:lnSpc>
         <a:spcBef>
-          <a:spcPts val="667"/>
+          <a:spcPts val="722"/>
         </a:spcBef>
         <a:buFont typeface="Arial" panose="020B0604020202020204" pitchFamily="34" charset="0"/>
         <a:buChar char="•"/>
-        <a:defRPr sz="2667" kern="1200">
+        <a:defRPr sz="2887" kern="1200">
           <a:solidFill>
             <a:schemeClr val="tx1"/>
           </a:solidFill>
@@ -2742,16 +2749,16 @@
           <a:cs typeface="+mn-cs"/>
         </a:defRPr>
       </a:lvl3pPr>
-      <a:lvl4pPr marL="2133547" indent="-304792" algn="l" defTabSz="1219170" rtl="0" eaLnBrk="1" latinLnBrk="0" hangingPunct="1">
+      <a:lvl4pPr marL="2309729" indent="-329961" algn="l" defTabSz="1319845" rtl="0" eaLnBrk="1" latinLnBrk="0" hangingPunct="1">
         <a:lnSpc>
           <a:spcPct val="90000"/>
         </a:lnSpc>
         <a:spcBef>
-          <a:spcPts val="667"/>
+          <a:spcPts val="722"/>
         </a:spcBef>
         <a:buFont typeface="Arial" panose="020B0604020202020204" pitchFamily="34" charset="0"/>
         <a:buChar char="•"/>
-        <a:defRPr sz="2400" kern="1200">
+        <a:defRPr sz="2598" kern="1200">
           <a:solidFill>
             <a:schemeClr val="tx1"/>
           </a:solidFill>
@@ -2760,16 +2767,16 @@
           <a:cs typeface="+mn-cs"/>
         </a:defRPr>
       </a:lvl4pPr>
-      <a:lvl5pPr marL="2743131" indent="-304792" algn="l" defTabSz="1219170" rtl="0" eaLnBrk="1" latinLnBrk="0" hangingPunct="1">
+      <a:lvl5pPr marL="2969651" indent="-329961" algn="l" defTabSz="1319845" rtl="0" eaLnBrk="1" latinLnBrk="0" hangingPunct="1">
         <a:lnSpc>
           <a:spcPct val="90000"/>
         </a:lnSpc>
         <a:spcBef>
-          <a:spcPts val="667"/>
+          <a:spcPts val="722"/>
         </a:spcBef>
         <a:buFont typeface="Arial" panose="020B0604020202020204" pitchFamily="34" charset="0"/>
         <a:buChar char="•"/>
-        <a:defRPr sz="2400" kern="1200">
+        <a:defRPr sz="2598" kern="1200">
           <a:solidFill>
             <a:schemeClr val="tx1"/>
           </a:solidFill>
@@ -2778,16 +2785,16 @@
           <a:cs typeface="+mn-cs"/>
         </a:defRPr>
       </a:lvl5pPr>
-      <a:lvl6pPr marL="3352716" indent="-304792" algn="l" defTabSz="1219170" rtl="0" eaLnBrk="1" latinLnBrk="0" hangingPunct="1">
+      <a:lvl6pPr marL="3629574" indent="-329961" algn="l" defTabSz="1319845" rtl="0" eaLnBrk="1" latinLnBrk="0" hangingPunct="1">
         <a:lnSpc>
           <a:spcPct val="90000"/>
         </a:lnSpc>
         <a:spcBef>
-          <a:spcPts val="667"/>
+          <a:spcPts val="722"/>
         </a:spcBef>
         <a:buFont typeface="Arial" panose="020B0604020202020204" pitchFamily="34" charset="0"/>
         <a:buChar char="•"/>
-        <a:defRPr sz="2400" kern="1200">
+        <a:defRPr sz="2598" kern="1200">
           <a:solidFill>
             <a:schemeClr val="tx1"/>
           </a:solidFill>
@@ -2796,16 +2803,16 @@
           <a:cs typeface="+mn-cs"/>
         </a:defRPr>
       </a:lvl6pPr>
-      <a:lvl7pPr marL="3962301" indent="-304792" algn="l" defTabSz="1219170" rtl="0" eaLnBrk="1" latinLnBrk="0" hangingPunct="1">
+      <a:lvl7pPr marL="4289496" indent="-329961" algn="l" defTabSz="1319845" rtl="0" eaLnBrk="1" latinLnBrk="0" hangingPunct="1">
         <a:lnSpc>
           <a:spcPct val="90000"/>
         </a:lnSpc>
         <a:spcBef>
-          <a:spcPts val="667"/>
+          <a:spcPts val="722"/>
         </a:spcBef>
         <a:buFont typeface="Arial" panose="020B0604020202020204" pitchFamily="34" charset="0"/>
         <a:buChar char="•"/>
-        <a:defRPr sz="2400" kern="1200">
+        <a:defRPr sz="2598" kern="1200">
           <a:solidFill>
             <a:schemeClr val="tx1"/>
           </a:solidFill>
@@ -2814,16 +2821,16 @@
           <a:cs typeface="+mn-cs"/>
         </a:defRPr>
       </a:lvl7pPr>
-      <a:lvl8pPr marL="4571886" indent="-304792" algn="l" defTabSz="1219170" rtl="0" eaLnBrk="1" latinLnBrk="0" hangingPunct="1">
+      <a:lvl8pPr marL="4949419" indent="-329961" algn="l" defTabSz="1319845" rtl="0" eaLnBrk="1" latinLnBrk="0" hangingPunct="1">
         <a:lnSpc>
           <a:spcPct val="90000"/>
         </a:lnSpc>
         <a:spcBef>
-          <a:spcPts val="667"/>
+          <a:spcPts val="722"/>
         </a:spcBef>
         <a:buFont typeface="Arial" panose="020B0604020202020204" pitchFamily="34" charset="0"/>
         <a:buChar char="•"/>
-        <a:defRPr sz="2400" kern="1200">
+        <a:defRPr sz="2598" kern="1200">
           <a:solidFill>
             <a:schemeClr val="tx1"/>
           </a:solidFill>
@@ -2832,16 +2839,16 @@
           <a:cs typeface="+mn-cs"/>
         </a:defRPr>
       </a:lvl8pPr>
-      <a:lvl9pPr marL="5181470" indent="-304792" algn="l" defTabSz="1219170" rtl="0" eaLnBrk="1" latinLnBrk="0" hangingPunct="1">
+      <a:lvl9pPr marL="5609341" indent="-329961" algn="l" defTabSz="1319845" rtl="0" eaLnBrk="1" latinLnBrk="0" hangingPunct="1">
         <a:lnSpc>
           <a:spcPct val="90000"/>
         </a:lnSpc>
         <a:spcBef>
-          <a:spcPts val="667"/>
+          <a:spcPts val="722"/>
         </a:spcBef>
         <a:buFont typeface="Arial" panose="020B0604020202020204" pitchFamily="34" charset="0"/>
         <a:buChar char="•"/>
-        <a:defRPr sz="2400" kern="1200">
+        <a:defRPr sz="2598" kern="1200">
           <a:solidFill>
             <a:schemeClr val="tx1"/>
           </a:solidFill>
@@ -2855,8 +2862,8 @@
       <a:defPPr>
         <a:defRPr lang="en-US"/>
       </a:defPPr>
-      <a:lvl1pPr marL="0" algn="l" defTabSz="1219170" rtl="0" eaLnBrk="1" latinLnBrk="0" hangingPunct="1">
-        <a:defRPr sz="2400" kern="1200">
+      <a:lvl1pPr marL="0" algn="l" defTabSz="1319845" rtl="0" eaLnBrk="1" latinLnBrk="0" hangingPunct="1">
+        <a:defRPr sz="2598" kern="1200">
           <a:solidFill>
             <a:schemeClr val="tx1"/>
           </a:solidFill>
@@ -2865,8 +2872,8 @@
           <a:cs typeface="+mn-cs"/>
         </a:defRPr>
       </a:lvl1pPr>
-      <a:lvl2pPr marL="609585" algn="l" defTabSz="1219170" rtl="0" eaLnBrk="1" latinLnBrk="0" hangingPunct="1">
-        <a:defRPr sz="2400" kern="1200">
+      <a:lvl2pPr marL="659922" algn="l" defTabSz="1319845" rtl="0" eaLnBrk="1" latinLnBrk="0" hangingPunct="1">
+        <a:defRPr sz="2598" kern="1200">
           <a:solidFill>
             <a:schemeClr val="tx1"/>
           </a:solidFill>
@@ -2875,8 +2882,8 @@
           <a:cs typeface="+mn-cs"/>
         </a:defRPr>
       </a:lvl2pPr>
-      <a:lvl3pPr marL="1219170" algn="l" defTabSz="1219170" rtl="0" eaLnBrk="1" latinLnBrk="0" hangingPunct="1">
-        <a:defRPr sz="2400" kern="1200">
+      <a:lvl3pPr marL="1319845" algn="l" defTabSz="1319845" rtl="0" eaLnBrk="1" latinLnBrk="0" hangingPunct="1">
+        <a:defRPr sz="2598" kern="1200">
           <a:solidFill>
             <a:schemeClr val="tx1"/>
           </a:solidFill>
@@ -2885,8 +2892,8 @@
           <a:cs typeface="+mn-cs"/>
         </a:defRPr>
       </a:lvl3pPr>
-      <a:lvl4pPr marL="1828754" algn="l" defTabSz="1219170" rtl="0" eaLnBrk="1" latinLnBrk="0" hangingPunct="1">
-        <a:defRPr sz="2400" kern="1200">
+      <a:lvl4pPr marL="1979767" algn="l" defTabSz="1319845" rtl="0" eaLnBrk="1" latinLnBrk="0" hangingPunct="1">
+        <a:defRPr sz="2598" kern="1200">
           <a:solidFill>
             <a:schemeClr val="tx1"/>
           </a:solidFill>
@@ -2895,8 +2902,8 @@
           <a:cs typeface="+mn-cs"/>
         </a:defRPr>
       </a:lvl4pPr>
-      <a:lvl5pPr marL="2438339" algn="l" defTabSz="1219170" rtl="0" eaLnBrk="1" latinLnBrk="0" hangingPunct="1">
-        <a:defRPr sz="2400" kern="1200">
+      <a:lvl5pPr marL="2639690" algn="l" defTabSz="1319845" rtl="0" eaLnBrk="1" latinLnBrk="0" hangingPunct="1">
+        <a:defRPr sz="2598" kern="1200">
           <a:solidFill>
             <a:schemeClr val="tx1"/>
           </a:solidFill>
@@ -2905,8 +2912,8 @@
           <a:cs typeface="+mn-cs"/>
         </a:defRPr>
       </a:lvl5pPr>
-      <a:lvl6pPr marL="3047924" algn="l" defTabSz="1219170" rtl="0" eaLnBrk="1" latinLnBrk="0" hangingPunct="1">
-        <a:defRPr sz="2400" kern="1200">
+      <a:lvl6pPr marL="3299612" algn="l" defTabSz="1319845" rtl="0" eaLnBrk="1" latinLnBrk="0" hangingPunct="1">
+        <a:defRPr sz="2598" kern="1200">
           <a:solidFill>
             <a:schemeClr val="tx1"/>
           </a:solidFill>
@@ -2915,8 +2922,8 @@
           <a:cs typeface="+mn-cs"/>
         </a:defRPr>
       </a:lvl6pPr>
-      <a:lvl7pPr marL="3657509" algn="l" defTabSz="1219170" rtl="0" eaLnBrk="1" latinLnBrk="0" hangingPunct="1">
-        <a:defRPr sz="2400" kern="1200">
+      <a:lvl7pPr marL="3959535" algn="l" defTabSz="1319845" rtl="0" eaLnBrk="1" latinLnBrk="0" hangingPunct="1">
+        <a:defRPr sz="2598" kern="1200">
           <a:solidFill>
             <a:schemeClr val="tx1"/>
           </a:solidFill>
@@ -2925,8 +2932,8 @@
           <a:cs typeface="+mn-cs"/>
         </a:defRPr>
       </a:lvl7pPr>
-      <a:lvl8pPr marL="4267093" algn="l" defTabSz="1219170" rtl="0" eaLnBrk="1" latinLnBrk="0" hangingPunct="1">
-        <a:defRPr sz="2400" kern="1200">
+      <a:lvl8pPr marL="4619457" algn="l" defTabSz="1319845" rtl="0" eaLnBrk="1" latinLnBrk="0" hangingPunct="1">
+        <a:defRPr sz="2598" kern="1200">
           <a:solidFill>
             <a:schemeClr val="tx1"/>
           </a:solidFill>
@@ -2935,8 +2942,8 @@
           <a:cs typeface="+mn-cs"/>
         </a:defRPr>
       </a:lvl8pPr>
-      <a:lvl9pPr marL="4876678" algn="l" defTabSz="1219170" rtl="0" eaLnBrk="1" latinLnBrk="0" hangingPunct="1">
-        <a:defRPr sz="2400" kern="1200">
+      <a:lvl9pPr marL="5279380" algn="l" defTabSz="1319845" rtl="0" eaLnBrk="1" latinLnBrk="0" hangingPunct="1">
+        <a:defRPr sz="2598" kern="1200">
           <a:solidFill>
             <a:schemeClr val="tx1"/>
           </a:solidFill>
@@ -2983,7 +2990,7 @@
         </p:nvGrpSpPr>
         <p:grpSpPr>
           <a:xfrm>
-            <a:off x="1421341" y="3410082"/>
+            <a:off x="1924578" y="3410082"/>
             <a:ext cx="4141090" cy="2743200"/>
             <a:chOff x="1054100" y="730250"/>
             <a:chExt cx="8349038" cy="5397500"/>
@@ -3064,7 +3071,7 @@
         </p:nvGrpSpPr>
         <p:grpSpPr>
           <a:xfrm>
-            <a:off x="5603300" y="6577441"/>
+            <a:off x="6106537" y="6577441"/>
             <a:ext cx="4168912" cy="2743200"/>
             <a:chOff x="1538420" y="730250"/>
             <a:chExt cx="8346851" cy="5450364"/>
@@ -3145,7 +3152,7 @@
         </p:nvGrpSpPr>
         <p:grpSpPr>
           <a:xfrm>
-            <a:off x="5652858" y="3450360"/>
+            <a:off x="6156095" y="3450360"/>
             <a:ext cx="4119354" cy="2743200"/>
             <a:chOff x="1614166" y="730250"/>
             <a:chExt cx="8300151" cy="5480911"/>
@@ -3226,7 +3233,7 @@
         </p:nvGrpSpPr>
         <p:grpSpPr>
           <a:xfrm>
-            <a:off x="1364321" y="6653103"/>
+            <a:off x="1867558" y="6653103"/>
             <a:ext cx="4198110" cy="2743200"/>
             <a:chOff x="1054100" y="730250"/>
             <a:chExt cx="8328176" cy="5450364"/>
@@ -3335,7 +3342,7 @@
         </p:nvSpPr>
         <p:spPr>
           <a:xfrm>
-            <a:off x="3224503" y="5519851"/>
+            <a:off x="3727740" y="5519852"/>
             <a:ext cx="5052446" cy="584775"/>
           </a:xfrm>
           <a:prstGeom prst="rect">
@@ -3377,7 +3384,7 @@
         </p:blipFill>
         <p:spPr>
           <a:xfrm>
-            <a:off x="3207210" y="10955171"/>
+            <a:off x="3710447" y="10955171"/>
             <a:ext cx="4663440" cy="137160"/>
           </a:xfrm>
           <a:prstGeom prst="rect">
@@ -3399,7 +3406,7 @@
         </p:nvSpPr>
         <p:spPr>
           <a:xfrm>
-            <a:off x="2959238" y="10987401"/>
+            <a:off x="3462476" y="10987402"/>
             <a:ext cx="247973" cy="461665"/>
           </a:xfrm>
           <a:prstGeom prst="rect">
@@ -3434,7 +3441,7 @@
         </p:nvSpPr>
         <p:spPr>
           <a:xfrm>
-            <a:off x="7715669" y="10987401"/>
+            <a:off x="8218907" y="10987402"/>
             <a:ext cx="915949" cy="461665"/>
           </a:xfrm>
           <a:prstGeom prst="rect">
@@ -3471,7 +3478,7 @@
         </p:nvGrpSpPr>
         <p:grpSpPr>
           <a:xfrm>
-            <a:off x="3823688" y="3127171"/>
+            <a:off x="4326925" y="3127171"/>
             <a:ext cx="3507598" cy="2468880"/>
             <a:chOff x="1078714" y="2668655"/>
             <a:chExt cx="7734546" cy="5444087"/>
@@ -3550,7 +3557,7 @@
         </p:nvSpPr>
         <p:spPr>
           <a:xfrm>
-            <a:off x="3841757" y="2162241"/>
+            <a:off x="4344995" y="2162242"/>
             <a:ext cx="4632445" cy="584775"/>
           </a:xfrm>
           <a:prstGeom prst="rect">
@@ -3589,7 +3596,7 @@
         </p:nvSpPr>
         <p:spPr>
           <a:xfrm>
-            <a:off x="3637704" y="2608164"/>
+            <a:off x="4140942" y="2608165"/>
             <a:ext cx="4632445" cy="584775"/>
           </a:xfrm>
           <a:prstGeom prst="rect">
@@ -3624,7 +3631,7 @@
         </p:nvGrpSpPr>
         <p:grpSpPr>
           <a:xfrm>
-            <a:off x="2740612" y="5977980"/>
+            <a:off x="3243849" y="5977980"/>
             <a:ext cx="5791200" cy="4874456"/>
             <a:chOff x="2639012" y="5977980"/>
             <a:chExt cx="5791200" cy="4874456"/>
@@ -3804,6 +3811,834 @@
     <p:extLst>
       <p:ext uri="{BB962C8B-B14F-4D97-AF65-F5344CB8AC3E}">
         <p14:creationId xmlns:p14="http://schemas.microsoft.com/office/powerpoint/2010/main" val="167297052"/>
+      </p:ext>
+    </p:extLst>
+  </p:cSld>
+  <p:clrMapOvr>
+    <a:masterClrMapping/>
+  </p:clrMapOvr>
+</p:sld>
+</file>
+
+<file path=ppt/slides/slide3.xml><?xml version="1.0" encoding="utf-8"?>
+<p:sld xmlns:a="http://schemas.openxmlformats.org/drawingml/2006/main" xmlns:r="http://schemas.openxmlformats.org/officeDocument/2006/relationships" xmlns:p="http://schemas.openxmlformats.org/presentationml/2006/main">
+  <p:cSld>
+    <p:spTree>
+      <p:nvGrpSpPr>
+        <p:cNvPr id="1" name=""/>
+        <p:cNvGrpSpPr/>
+        <p:nvPr/>
+      </p:nvGrpSpPr>
+      <p:grpSpPr>
+        <a:xfrm>
+          <a:off x="0" y="0"/>
+          <a:ext cx="0" cy="0"/>
+          <a:chOff x="0" y="0"/>
+          <a:chExt cx="0" cy="0"/>
+        </a:xfrm>
+      </p:grpSpPr>
+      <p:pic>
+        <p:nvPicPr>
+          <p:cNvPr id="13" name="Picture 12">
+            <a:extLst>
+              <a:ext uri="{FF2B5EF4-FFF2-40B4-BE49-F238E27FC236}">
+                <a16:creationId xmlns:a16="http://schemas.microsoft.com/office/drawing/2014/main" id="{6D0037E1-0490-B54F-98E3-B4691C938BDC}"/>
+              </a:ext>
+            </a:extLst>
+          </p:cNvPr>
+          <p:cNvPicPr>
+            <a:picLocks noChangeAspect="1"/>
+          </p:cNvPicPr>
+          <p:nvPr/>
+        </p:nvPicPr>
+        <p:blipFill rotWithShape="1">
+          <a:blip r:embed="rId2"/>
+          <a:srcRect l="14945" t="3434" r="17083" b="11123"/>
+          <a:stretch/>
+        </p:blipFill>
+        <p:spPr>
+          <a:xfrm>
+            <a:off x="774916" y="2480643"/>
+            <a:ext cx="5900808" cy="9143085"/>
+          </a:xfrm>
+          <a:prstGeom prst="rect">
+            <a:avLst/>
+          </a:prstGeom>
+        </p:spPr>
+      </p:pic>
+      <p:sp>
+        <p:nvSpPr>
+          <p:cNvPr id="15" name="TextBox 14">
+            <a:extLst>
+              <a:ext uri="{FF2B5EF4-FFF2-40B4-BE49-F238E27FC236}">
+                <a16:creationId xmlns:a16="http://schemas.microsoft.com/office/drawing/2014/main" id="{E85E41E3-AB1D-5147-B6CB-E15DAF01BA21}"/>
+              </a:ext>
+            </a:extLst>
+          </p:cNvPr>
+          <p:cNvSpPr txBox="1"/>
+          <p:nvPr/>
+        </p:nvSpPr>
+        <p:spPr>
+          <a:xfrm>
+            <a:off x="1999281" y="1880365"/>
+            <a:ext cx="5687878" cy="584775"/>
+          </a:xfrm>
+          <a:prstGeom prst="rect">
+            <a:avLst/>
+          </a:prstGeom>
+          <a:noFill/>
+        </p:spPr>
+        <p:txBody>
+          <a:bodyPr wrap="square" rtlCol="0">
+            <a:spAutoFit/>
+          </a:bodyPr>
+          <a:lstStyle/>
+          <a:p>
+            <a:r>
+              <a:rPr lang="en-US" sz="3200" dirty="0"/>
+              <a:t>Individualized Approach</a:t>
+            </a:r>
+          </a:p>
+        </p:txBody>
+      </p:sp>
+      <p:sp>
+        <p:nvSpPr>
+          <p:cNvPr id="16" name="TextBox 15">
+            <a:extLst>
+              <a:ext uri="{FF2B5EF4-FFF2-40B4-BE49-F238E27FC236}">
+                <a16:creationId xmlns:a16="http://schemas.microsoft.com/office/drawing/2014/main" id="{3ECBF6D6-49EC-B94C-B624-C384A6EC3C13}"/>
+              </a:ext>
+            </a:extLst>
+          </p:cNvPr>
+          <p:cNvSpPr txBox="1"/>
+          <p:nvPr/>
+        </p:nvSpPr>
+        <p:spPr>
+          <a:xfrm>
+            <a:off x="7795646" y="5614551"/>
+            <a:ext cx="5687878" cy="584775"/>
+          </a:xfrm>
+          <a:prstGeom prst="rect">
+            <a:avLst/>
+          </a:prstGeom>
+          <a:noFill/>
+        </p:spPr>
+        <p:txBody>
+          <a:bodyPr wrap="square" rtlCol="0">
+            <a:spAutoFit/>
+          </a:bodyPr>
+          <a:lstStyle/>
+          <a:p>
+            <a:r>
+              <a:rPr lang="en-US" sz="3200" dirty="0" err="1"/>
+              <a:t>Groupwise</a:t>
+            </a:r>
+            <a:r>
+              <a:rPr lang="en-US" sz="3200" dirty="0"/>
+              <a:t> Approach</a:t>
+            </a:r>
+          </a:p>
+        </p:txBody>
+      </p:sp>
+      <p:sp>
+        <p:nvSpPr>
+          <p:cNvPr id="17" name="TextBox 16">
+            <a:extLst>
+              <a:ext uri="{FF2B5EF4-FFF2-40B4-BE49-F238E27FC236}">
+                <a16:creationId xmlns:a16="http://schemas.microsoft.com/office/drawing/2014/main" id="{ABEA6ED0-CC83-EE42-91A0-73EC5F154B75}"/>
+              </a:ext>
+            </a:extLst>
+          </p:cNvPr>
+          <p:cNvSpPr txBox="1"/>
+          <p:nvPr/>
+        </p:nvSpPr>
+        <p:spPr>
+          <a:xfrm>
+            <a:off x="8056795" y="6283015"/>
+            <a:ext cx="5687878" cy="477054"/>
+          </a:xfrm>
+          <a:prstGeom prst="rect">
+            <a:avLst/>
+          </a:prstGeom>
+          <a:noFill/>
+        </p:spPr>
+        <p:txBody>
+          <a:bodyPr wrap="square" rtlCol="0">
+            <a:spAutoFit/>
+          </a:bodyPr>
+          <a:lstStyle/>
+          <a:p>
+            <a:r>
+              <a:rPr lang="en-US" sz="2500" dirty="0"/>
+              <a:t>All Task Feature Weights</a:t>
+            </a:r>
+          </a:p>
+        </p:txBody>
+      </p:sp>
+      <p:sp>
+        <p:nvSpPr>
+          <p:cNvPr id="18" name="TextBox 17">
+            <a:extLst>
+              <a:ext uri="{FF2B5EF4-FFF2-40B4-BE49-F238E27FC236}">
+                <a16:creationId xmlns:a16="http://schemas.microsoft.com/office/drawing/2014/main" id="{E17D08BE-628D-B943-BCA2-29B01635BA9E}"/>
+              </a:ext>
+            </a:extLst>
+          </p:cNvPr>
+          <p:cNvSpPr txBox="1"/>
+          <p:nvPr/>
+        </p:nvSpPr>
+        <p:spPr>
+          <a:xfrm>
+            <a:off x="774916" y="11623728"/>
+            <a:ext cx="557939" cy="523220"/>
+          </a:xfrm>
+          <a:prstGeom prst="rect">
+            <a:avLst/>
+          </a:prstGeom>
+          <a:noFill/>
+        </p:spPr>
+        <p:txBody>
+          <a:bodyPr wrap="square" rtlCol="0">
+            <a:spAutoFit/>
+          </a:bodyPr>
+          <a:lstStyle/>
+          <a:p>
+            <a:r>
+              <a:rPr lang="en-US" sz="2800" dirty="0"/>
+              <a:t>0</a:t>
+            </a:r>
+            <a:endParaRPr lang="en-US" dirty="0"/>
+          </a:p>
+        </p:txBody>
+      </p:sp>
+      <p:sp>
+        <p:nvSpPr>
+          <p:cNvPr id="19" name="TextBox 18">
+            <a:extLst>
+              <a:ext uri="{FF2B5EF4-FFF2-40B4-BE49-F238E27FC236}">
+                <a16:creationId xmlns:a16="http://schemas.microsoft.com/office/drawing/2014/main" id="{1FEB2060-0ED2-DB4F-9493-DF29099201DB}"/>
+              </a:ext>
+            </a:extLst>
+          </p:cNvPr>
+          <p:cNvSpPr txBox="1"/>
+          <p:nvPr/>
+        </p:nvSpPr>
+        <p:spPr>
+          <a:xfrm>
+            <a:off x="6117785" y="11639231"/>
+            <a:ext cx="557939" cy="523220"/>
+          </a:xfrm>
+          <a:prstGeom prst="rect">
+            <a:avLst/>
+          </a:prstGeom>
+          <a:noFill/>
+        </p:spPr>
+        <p:txBody>
+          <a:bodyPr wrap="square" rtlCol="0">
+            <a:spAutoFit/>
+          </a:bodyPr>
+          <a:lstStyle/>
+          <a:p>
+            <a:r>
+              <a:rPr lang="en-US" sz="2800" dirty="0"/>
+              <a:t>.2</a:t>
+            </a:r>
+            <a:endParaRPr lang="en-US" dirty="0"/>
+          </a:p>
+        </p:txBody>
+      </p:sp>
+      <p:sp>
+        <p:nvSpPr>
+          <p:cNvPr id="21" name="TextBox 20">
+            <a:extLst>
+              <a:ext uri="{FF2B5EF4-FFF2-40B4-BE49-F238E27FC236}">
+                <a16:creationId xmlns:a16="http://schemas.microsoft.com/office/drawing/2014/main" id="{F6388CFB-7FBD-E54B-BA20-C55EAF634F36}"/>
+              </a:ext>
+            </a:extLst>
+          </p:cNvPr>
+          <p:cNvSpPr txBox="1"/>
+          <p:nvPr/>
+        </p:nvSpPr>
+        <p:spPr>
+          <a:xfrm>
+            <a:off x="7795646" y="1880365"/>
+            <a:ext cx="5687878" cy="584775"/>
+          </a:xfrm>
+          <a:prstGeom prst="rect">
+            <a:avLst/>
+          </a:prstGeom>
+          <a:noFill/>
+        </p:spPr>
+        <p:txBody>
+          <a:bodyPr wrap="square" rtlCol="0">
+            <a:spAutoFit/>
+          </a:bodyPr>
+          <a:lstStyle/>
+          <a:p>
+            <a:r>
+              <a:rPr lang="en-US" sz="3200" dirty="0" err="1"/>
+              <a:t>Groupwise</a:t>
+            </a:r>
+            <a:r>
+              <a:rPr lang="en-US" sz="3200" dirty="0"/>
+              <a:t> Approach</a:t>
+            </a:r>
+          </a:p>
+        </p:txBody>
+      </p:sp>
+      <p:sp>
+        <p:nvSpPr>
+          <p:cNvPr id="22" name="TextBox 21">
+            <a:extLst>
+              <a:ext uri="{FF2B5EF4-FFF2-40B4-BE49-F238E27FC236}">
+                <a16:creationId xmlns:a16="http://schemas.microsoft.com/office/drawing/2014/main" id="{C97CB00F-68C4-8E4F-931C-197D42D21F10}"/>
+              </a:ext>
+            </a:extLst>
+          </p:cNvPr>
+          <p:cNvSpPr txBox="1"/>
+          <p:nvPr/>
+        </p:nvSpPr>
+        <p:spPr>
+          <a:xfrm>
+            <a:off x="8645474" y="2482219"/>
+            <a:ext cx="5687878" cy="477054"/>
+          </a:xfrm>
+          <a:prstGeom prst="rect">
+            <a:avLst/>
+          </a:prstGeom>
+          <a:noFill/>
+        </p:spPr>
+        <p:txBody>
+          <a:bodyPr wrap="square" rtlCol="0">
+            <a:spAutoFit/>
+          </a:bodyPr>
+          <a:lstStyle/>
+          <a:p>
+            <a:r>
+              <a:rPr lang="en-US" sz="2500" dirty="0"/>
+              <a:t>All Task Folds</a:t>
+            </a:r>
+          </a:p>
+        </p:txBody>
+      </p:sp>
+      <p:pic>
+        <p:nvPicPr>
+          <p:cNvPr id="24" name="Picture 23">
+            <a:extLst>
+              <a:ext uri="{FF2B5EF4-FFF2-40B4-BE49-F238E27FC236}">
+                <a16:creationId xmlns:a16="http://schemas.microsoft.com/office/drawing/2014/main" id="{EBE770B2-AFE8-FC4F-9A93-1B6A3C6A97D6}"/>
+              </a:ext>
+            </a:extLst>
+          </p:cNvPr>
+          <p:cNvPicPr>
+            <a:picLocks noChangeAspect="1"/>
+          </p:cNvPicPr>
+          <p:nvPr/>
+        </p:nvPicPr>
+        <p:blipFill rotWithShape="1">
+          <a:blip r:embed="rId3"/>
+          <a:srcRect l="14136" r="14294"/>
+          <a:stretch/>
+        </p:blipFill>
+        <p:spPr>
+          <a:xfrm>
+            <a:off x="11620458" y="4174599"/>
+            <a:ext cx="1503337" cy="1038376"/>
+          </a:xfrm>
+          <a:prstGeom prst="rect">
+            <a:avLst/>
+          </a:prstGeom>
+        </p:spPr>
+      </p:pic>
+      <p:pic>
+        <p:nvPicPr>
+          <p:cNvPr id="26" name="Picture 25">
+            <a:extLst>
+              <a:ext uri="{FF2B5EF4-FFF2-40B4-BE49-F238E27FC236}">
+                <a16:creationId xmlns:a16="http://schemas.microsoft.com/office/drawing/2014/main" id="{64CE4E20-29B0-AC45-A429-3F19BF5380D1}"/>
+              </a:ext>
+            </a:extLst>
+          </p:cNvPr>
+          <p:cNvPicPr>
+            <a:picLocks noChangeAspect="1"/>
+          </p:cNvPicPr>
+          <p:nvPr/>
+        </p:nvPicPr>
+        <p:blipFill rotWithShape="1">
+          <a:blip r:embed="rId4"/>
+          <a:srcRect l="12184" r="14780"/>
+          <a:stretch/>
+        </p:blipFill>
+        <p:spPr>
+          <a:xfrm>
+            <a:off x="10133680" y="4184671"/>
+            <a:ext cx="1534108" cy="1038376"/>
+          </a:xfrm>
+          <a:prstGeom prst="rect">
+            <a:avLst/>
+          </a:prstGeom>
+        </p:spPr>
+      </p:pic>
+      <p:pic>
+        <p:nvPicPr>
+          <p:cNvPr id="28" name="Picture 27">
+            <a:extLst>
+              <a:ext uri="{FF2B5EF4-FFF2-40B4-BE49-F238E27FC236}">
+                <a16:creationId xmlns:a16="http://schemas.microsoft.com/office/drawing/2014/main" id="{D01E8DA3-3166-234E-83CE-EED8D55BE6E8}"/>
+              </a:ext>
+            </a:extLst>
+          </p:cNvPr>
+          <p:cNvPicPr>
+            <a:picLocks noChangeAspect="1"/>
+          </p:cNvPicPr>
+          <p:nvPr/>
+        </p:nvPicPr>
+        <p:blipFill rotWithShape="1">
+          <a:blip r:embed="rId5"/>
+          <a:srcRect l="10729" r="13250"/>
+          <a:stretch/>
+        </p:blipFill>
+        <p:spPr>
+          <a:xfrm>
+            <a:off x="8576031" y="4184671"/>
+            <a:ext cx="1596846" cy="1038376"/>
+          </a:xfrm>
+          <a:prstGeom prst="rect">
+            <a:avLst/>
+          </a:prstGeom>
+        </p:spPr>
+      </p:pic>
+      <p:pic>
+        <p:nvPicPr>
+          <p:cNvPr id="30" name="Picture 29">
+            <a:extLst>
+              <a:ext uri="{FF2B5EF4-FFF2-40B4-BE49-F238E27FC236}">
+                <a16:creationId xmlns:a16="http://schemas.microsoft.com/office/drawing/2014/main" id="{43596B04-AD9C-DF44-B6FB-F06D4B339B71}"/>
+              </a:ext>
+            </a:extLst>
+          </p:cNvPr>
+          <p:cNvPicPr>
+            <a:picLocks noChangeAspect="1"/>
+          </p:cNvPicPr>
+          <p:nvPr/>
+        </p:nvPicPr>
+        <p:blipFill rotWithShape="1">
+          <a:blip r:embed="rId6"/>
+          <a:srcRect l="10860" r="11683"/>
+          <a:stretch/>
+        </p:blipFill>
+        <p:spPr>
+          <a:xfrm>
+            <a:off x="7023911" y="4174599"/>
+            <a:ext cx="1627029" cy="1038376"/>
+          </a:xfrm>
+          <a:prstGeom prst="rect">
+            <a:avLst/>
+          </a:prstGeom>
+        </p:spPr>
+      </p:pic>
+      <p:pic>
+        <p:nvPicPr>
+          <p:cNvPr id="32" name="Picture 31">
+            <a:extLst>
+              <a:ext uri="{FF2B5EF4-FFF2-40B4-BE49-F238E27FC236}">
+                <a16:creationId xmlns:a16="http://schemas.microsoft.com/office/drawing/2014/main" id="{7C1D96DA-F7A5-3143-8692-C1762ACC1020}"/>
+              </a:ext>
+            </a:extLst>
+          </p:cNvPr>
+          <p:cNvPicPr>
+            <a:picLocks noChangeAspect="1"/>
+          </p:cNvPicPr>
+          <p:nvPr/>
+        </p:nvPicPr>
+        <p:blipFill rotWithShape="1">
+          <a:blip r:embed="rId7"/>
+          <a:srcRect l="14136" r="14294"/>
+          <a:stretch/>
+        </p:blipFill>
+        <p:spPr>
+          <a:xfrm>
+            <a:off x="11620458" y="3097192"/>
+            <a:ext cx="1503337" cy="1038376"/>
+          </a:xfrm>
+          <a:prstGeom prst="rect">
+            <a:avLst/>
+          </a:prstGeom>
+        </p:spPr>
+      </p:pic>
+      <p:pic>
+        <p:nvPicPr>
+          <p:cNvPr id="34" name="Picture 33">
+            <a:extLst>
+              <a:ext uri="{FF2B5EF4-FFF2-40B4-BE49-F238E27FC236}">
+                <a16:creationId xmlns:a16="http://schemas.microsoft.com/office/drawing/2014/main" id="{32632DE5-8BBB-5244-BB03-C306F8D065B6}"/>
+              </a:ext>
+            </a:extLst>
+          </p:cNvPr>
+          <p:cNvPicPr>
+            <a:picLocks noChangeAspect="1"/>
+          </p:cNvPicPr>
+          <p:nvPr/>
+        </p:nvPicPr>
+        <p:blipFill rotWithShape="1">
+          <a:blip r:embed="rId8"/>
+          <a:srcRect l="12184" r="14780"/>
+          <a:stretch/>
+        </p:blipFill>
+        <p:spPr>
+          <a:xfrm>
+            <a:off x="10133680" y="3097192"/>
+            <a:ext cx="1534108" cy="1038376"/>
+          </a:xfrm>
+          <a:prstGeom prst="rect">
+            <a:avLst/>
+          </a:prstGeom>
+        </p:spPr>
+      </p:pic>
+      <p:pic>
+        <p:nvPicPr>
+          <p:cNvPr id="36" name="Picture 35">
+            <a:extLst>
+              <a:ext uri="{FF2B5EF4-FFF2-40B4-BE49-F238E27FC236}">
+                <a16:creationId xmlns:a16="http://schemas.microsoft.com/office/drawing/2014/main" id="{1A1B1703-078C-774F-9028-909590D7F5F8}"/>
+              </a:ext>
+            </a:extLst>
+          </p:cNvPr>
+          <p:cNvPicPr>
+            <a:picLocks noChangeAspect="1"/>
+          </p:cNvPicPr>
+          <p:nvPr/>
+        </p:nvPicPr>
+        <p:blipFill rotWithShape="1">
+          <a:blip r:embed="rId9"/>
+          <a:srcRect l="11714" r="12265"/>
+          <a:stretch/>
+        </p:blipFill>
+        <p:spPr>
+          <a:xfrm>
+            <a:off x="8576031" y="3097192"/>
+            <a:ext cx="1596845" cy="1038376"/>
+          </a:xfrm>
+          <a:prstGeom prst="rect">
+            <a:avLst/>
+          </a:prstGeom>
+        </p:spPr>
+      </p:pic>
+      <p:pic>
+        <p:nvPicPr>
+          <p:cNvPr id="38" name="Picture 37">
+            <a:extLst>
+              <a:ext uri="{FF2B5EF4-FFF2-40B4-BE49-F238E27FC236}">
+                <a16:creationId xmlns:a16="http://schemas.microsoft.com/office/drawing/2014/main" id="{CB137E32-52A4-8D48-92ED-9B225B5C8739}"/>
+              </a:ext>
+            </a:extLst>
+          </p:cNvPr>
+          <p:cNvPicPr>
+            <a:picLocks noChangeAspect="1"/>
+          </p:cNvPicPr>
+          <p:nvPr/>
+        </p:nvPicPr>
+        <p:blipFill rotWithShape="1">
+          <a:blip r:embed="rId10"/>
+          <a:srcRect l="13192" r="15253"/>
+          <a:stretch/>
+        </p:blipFill>
+        <p:spPr>
+          <a:xfrm>
+            <a:off x="7147898" y="3097192"/>
+            <a:ext cx="1503042" cy="1038376"/>
+          </a:xfrm>
+          <a:prstGeom prst="rect">
+            <a:avLst/>
+          </a:prstGeom>
+        </p:spPr>
+      </p:pic>
+      <p:grpSp>
+        <p:nvGrpSpPr>
+          <p:cNvPr id="42" name="Group 41">
+            <a:extLst>
+              <a:ext uri="{FF2B5EF4-FFF2-40B4-BE49-F238E27FC236}">
+                <a16:creationId xmlns:a16="http://schemas.microsoft.com/office/drawing/2014/main" id="{02A60923-637C-0049-B491-4ED8D3BF4F69}"/>
+              </a:ext>
+            </a:extLst>
+          </p:cNvPr>
+          <p:cNvGrpSpPr/>
+          <p:nvPr/>
+        </p:nvGrpSpPr>
+        <p:grpSpPr>
+          <a:xfrm>
+            <a:off x="6896313" y="6786116"/>
+            <a:ext cx="5362846" cy="3831394"/>
+            <a:chOff x="3905910" y="3756172"/>
+            <a:chExt cx="7128884" cy="5017940"/>
+          </a:xfrm>
+        </p:grpSpPr>
+        <p:pic>
+          <p:nvPicPr>
+            <p:cNvPr id="40" name="Picture 39">
+              <a:extLst>
+                <a:ext uri="{FF2B5EF4-FFF2-40B4-BE49-F238E27FC236}">
+                  <a16:creationId xmlns:a16="http://schemas.microsoft.com/office/drawing/2014/main" id="{B5353B38-F9A2-D14D-9014-BE1F68C90491}"/>
+                </a:ext>
+              </a:extLst>
+            </p:cNvPr>
+            <p:cNvPicPr>
+              <a:picLocks noChangeAspect="1"/>
+            </p:cNvPicPr>
+            <p:nvPr/>
+          </p:nvPicPr>
+          <p:blipFill rotWithShape="1">
+            <a:blip r:embed="rId11"/>
+            <a:srcRect l="6896" r="56878"/>
+            <a:stretch/>
+          </p:blipFill>
+          <p:spPr>
+            <a:xfrm>
+              <a:off x="3905910" y="3756172"/>
+              <a:ext cx="3657600" cy="4991100"/>
+            </a:xfrm>
+            <a:prstGeom prst="rect">
+              <a:avLst/>
+            </a:prstGeom>
+          </p:spPr>
+        </p:pic>
+        <p:pic>
+          <p:nvPicPr>
+            <p:cNvPr id="41" name="Picture 40">
+              <a:extLst>
+                <a:ext uri="{FF2B5EF4-FFF2-40B4-BE49-F238E27FC236}">
+                  <a16:creationId xmlns:a16="http://schemas.microsoft.com/office/drawing/2014/main" id="{D95E0762-A659-7C4F-A580-CA503887F940}"/>
+                </a:ext>
+              </a:extLst>
+            </p:cNvPr>
+            <p:cNvPicPr>
+              <a:picLocks noChangeAspect="1"/>
+            </p:cNvPicPr>
+            <p:nvPr/>
+          </p:nvPicPr>
+          <p:blipFill rotWithShape="1">
+            <a:blip r:embed="rId11"/>
+            <a:srcRect l="57423" r="7578"/>
+            <a:stretch/>
+          </p:blipFill>
+          <p:spPr>
+            <a:xfrm>
+              <a:off x="7501180" y="3783012"/>
+              <a:ext cx="3533614" cy="4991100"/>
+            </a:xfrm>
+            <a:prstGeom prst="rect">
+              <a:avLst/>
+            </a:prstGeom>
+          </p:spPr>
+        </p:pic>
+      </p:grpSp>
+      <p:sp>
+        <p:nvSpPr>
+          <p:cNvPr id="43" name="TextBox 42">
+            <a:extLst>
+              <a:ext uri="{FF2B5EF4-FFF2-40B4-BE49-F238E27FC236}">
+                <a16:creationId xmlns:a16="http://schemas.microsoft.com/office/drawing/2014/main" id="{0BFFE072-770A-9847-8F1A-D8517AE3CA56}"/>
+              </a:ext>
+            </a:extLst>
+          </p:cNvPr>
+          <p:cNvSpPr txBox="1"/>
+          <p:nvPr/>
+        </p:nvSpPr>
+        <p:spPr>
+          <a:xfrm>
+            <a:off x="642449" y="1797352"/>
+            <a:ext cx="433953" cy="707886"/>
+          </a:xfrm>
+          <a:prstGeom prst="rect">
+            <a:avLst/>
+          </a:prstGeom>
+          <a:noFill/>
+        </p:spPr>
+        <p:txBody>
+          <a:bodyPr wrap="square" rtlCol="0">
+            <a:spAutoFit/>
+          </a:bodyPr>
+          <a:lstStyle/>
+          <a:p>
+            <a:r>
+              <a:rPr lang="en-US" sz="4000" dirty="0"/>
+              <a:t>a</a:t>
+            </a:r>
+            <a:endParaRPr lang="en-US" dirty="0"/>
+          </a:p>
+        </p:txBody>
+      </p:sp>
+      <p:sp>
+        <p:nvSpPr>
+          <p:cNvPr id="44" name="TextBox 43">
+            <a:extLst>
+              <a:ext uri="{FF2B5EF4-FFF2-40B4-BE49-F238E27FC236}">
+                <a16:creationId xmlns:a16="http://schemas.microsoft.com/office/drawing/2014/main" id="{D385404D-D079-4944-9249-EDC52D27A38F}"/>
+              </a:ext>
+            </a:extLst>
+          </p:cNvPr>
+          <p:cNvSpPr txBox="1"/>
+          <p:nvPr/>
+        </p:nvSpPr>
+        <p:spPr>
+          <a:xfrm>
+            <a:off x="7167197" y="1797352"/>
+            <a:ext cx="433953" cy="707886"/>
+          </a:xfrm>
+          <a:prstGeom prst="rect">
+            <a:avLst/>
+          </a:prstGeom>
+          <a:noFill/>
+        </p:spPr>
+        <p:txBody>
+          <a:bodyPr wrap="square" rtlCol="0">
+            <a:spAutoFit/>
+          </a:bodyPr>
+          <a:lstStyle/>
+          <a:p>
+            <a:r>
+              <a:rPr lang="en-US" sz="4000" dirty="0"/>
+              <a:t>b</a:t>
+            </a:r>
+            <a:endParaRPr lang="en-US" dirty="0"/>
+          </a:p>
+        </p:txBody>
+      </p:sp>
+      <p:sp>
+        <p:nvSpPr>
+          <p:cNvPr id="45" name="TextBox 44">
+            <a:extLst>
+              <a:ext uri="{FF2B5EF4-FFF2-40B4-BE49-F238E27FC236}">
+                <a16:creationId xmlns:a16="http://schemas.microsoft.com/office/drawing/2014/main" id="{9C1FD4E8-5AD7-DE4D-B154-9BD4C20BDD2D}"/>
+              </a:ext>
+            </a:extLst>
+          </p:cNvPr>
+          <p:cNvSpPr txBox="1"/>
+          <p:nvPr/>
+        </p:nvSpPr>
+        <p:spPr>
+          <a:xfrm>
+            <a:off x="619932" y="5552995"/>
+            <a:ext cx="433953" cy="707886"/>
+          </a:xfrm>
+          <a:prstGeom prst="rect">
+            <a:avLst/>
+          </a:prstGeom>
+          <a:noFill/>
+        </p:spPr>
+        <p:txBody>
+          <a:bodyPr wrap="square" rtlCol="0">
+            <a:spAutoFit/>
+          </a:bodyPr>
+          <a:lstStyle/>
+          <a:p>
+            <a:r>
+              <a:rPr lang="en-US" sz="4000" dirty="0"/>
+              <a:t>c</a:t>
+            </a:r>
+            <a:endParaRPr lang="en-US" dirty="0"/>
+          </a:p>
+        </p:txBody>
+      </p:sp>
+      <p:sp>
+        <p:nvSpPr>
+          <p:cNvPr id="46" name="TextBox 45">
+            <a:extLst>
+              <a:ext uri="{FF2B5EF4-FFF2-40B4-BE49-F238E27FC236}">
+                <a16:creationId xmlns:a16="http://schemas.microsoft.com/office/drawing/2014/main" id="{DE0BE819-940E-1F4F-B985-5D4B77EDE5B9}"/>
+              </a:ext>
+            </a:extLst>
+          </p:cNvPr>
+          <p:cNvSpPr txBox="1"/>
+          <p:nvPr/>
+        </p:nvSpPr>
+        <p:spPr>
+          <a:xfrm>
+            <a:off x="7167197" y="5552995"/>
+            <a:ext cx="433953" cy="707886"/>
+          </a:xfrm>
+          <a:prstGeom prst="rect">
+            <a:avLst/>
+          </a:prstGeom>
+          <a:noFill/>
+        </p:spPr>
+        <p:txBody>
+          <a:bodyPr wrap="square" rtlCol="0">
+            <a:spAutoFit/>
+          </a:bodyPr>
+          <a:lstStyle/>
+          <a:p>
+            <a:r>
+              <a:rPr lang="en-US" sz="4000" dirty="0"/>
+              <a:t>d</a:t>
+            </a:r>
+            <a:endParaRPr lang="en-US" dirty="0"/>
+          </a:p>
+        </p:txBody>
+      </p:sp>
+    </p:spTree>
+    <p:extLst>
+      <p:ext uri="{BB962C8B-B14F-4D97-AF65-F5344CB8AC3E}">
+        <p14:creationId xmlns:p14="http://schemas.microsoft.com/office/powerpoint/2010/main" val="322048965"/>
+      </p:ext>
+    </p:extLst>
+  </p:cSld>
+  <p:clrMapOvr>
+    <a:masterClrMapping/>
+  </p:clrMapOvr>
+</p:sld>
+</file>
+
+<file path=ppt/slides/slide4.xml><?xml version="1.0" encoding="utf-8"?>
+<p:sld xmlns:a="http://schemas.openxmlformats.org/drawingml/2006/main" xmlns:r="http://schemas.openxmlformats.org/officeDocument/2006/relationships" xmlns:p="http://schemas.openxmlformats.org/presentationml/2006/main">
+  <p:cSld>
+    <p:spTree>
+      <p:nvGrpSpPr>
+        <p:cNvPr id="1" name=""/>
+        <p:cNvGrpSpPr/>
+        <p:nvPr/>
+      </p:nvGrpSpPr>
+      <p:grpSpPr>
+        <a:xfrm>
+          <a:off x="0" y="0"/>
+          <a:ext cx="0" cy="0"/>
+          <a:chOff x="0" y="0"/>
+          <a:chExt cx="0" cy="0"/>
+        </a:xfrm>
+      </p:grpSpPr>
+      <p:pic>
+        <p:nvPicPr>
+          <p:cNvPr id="4" name="Picture 3">
+            <a:extLst>
+              <a:ext uri="{FF2B5EF4-FFF2-40B4-BE49-F238E27FC236}">
+                <a16:creationId xmlns:a16="http://schemas.microsoft.com/office/drawing/2014/main" id="{D5693300-176C-C148-8599-F1562568B761}"/>
+              </a:ext>
+            </a:extLst>
+          </p:cNvPr>
+          <p:cNvPicPr>
+            <a:picLocks noChangeAspect="1"/>
+          </p:cNvPicPr>
+          <p:nvPr/>
+        </p:nvPicPr>
+        <p:blipFill rotWithShape="1">
+          <a:blip r:embed="rId2"/>
+          <a:srcRect l="22620" t="49520" r="30461" b="6270"/>
+          <a:stretch/>
+        </p:blipFill>
+        <p:spPr>
+          <a:xfrm>
+            <a:off x="1604074" y="1986370"/>
+            <a:ext cx="5838694" cy="5530311"/>
+          </a:xfrm>
+          <a:prstGeom prst="rect">
+            <a:avLst/>
+          </a:prstGeom>
+        </p:spPr>
+      </p:pic>
+    </p:spTree>
+    <p:extLst>
+      <p:ext uri="{BB962C8B-B14F-4D97-AF65-F5344CB8AC3E}">
+        <p14:creationId xmlns:p14="http://schemas.microsoft.com/office/powerpoint/2010/main" val="2248223946"/>
       </p:ext>
     </p:extLst>
   </p:cSld>
